--- a/aws_memo2.pptx
+++ b/aws_memo2.pptx
@@ -5013,7 +5013,7 @@
           <a:lstStyle/>
           <a:p>
             <a:r>
-              <a:rPr kumimoji="1" lang="en-US" altLang="ja-JP" sz="1000">
+              <a:rPr kumimoji="1" lang="en-US" altLang="ja-JP" sz="1000" dirty="0">
                 <a:solidFill>
                   <a:schemeClr val="bg1">
                     <a:lumMod val="50000"/>
@@ -6321,108 +6321,6 @@
       </p:cxnSp>
       <p:sp>
         <p:nvSpPr>
-          <p:cNvPr id="275" name="テキスト ボックス 274">
-            <a:extLst>
-              <a:ext uri="{FF2B5EF4-FFF2-40B4-BE49-F238E27FC236}">
-                <a16:creationId xmlns:a16="http://schemas.microsoft.com/office/drawing/2014/main" id="{7308C136-9F3B-DB35-EF58-A12EB96FD32F}"/>
-              </a:ext>
-            </a:extLst>
-          </p:cNvPr>
-          <p:cNvSpPr txBox="1"/>
-          <p:nvPr/>
-        </p:nvSpPr>
-        <p:spPr>
-          <a:xfrm>
-            <a:off x="2571925" y="2789030"/>
-            <a:ext cx="934871" cy="246221"/>
-          </a:xfrm>
-          <a:prstGeom prst="rect">
-            <a:avLst/>
-          </a:prstGeom>
-          <a:noFill/>
-        </p:spPr>
-        <p:txBody>
-          <a:bodyPr wrap="none" rtlCol="0">
-            <a:spAutoFit/>
-          </a:bodyPr>
-          <a:lstStyle/>
-          <a:p>
-            <a:r>
-              <a:rPr kumimoji="1" lang="en-US" altLang="ja-JP" sz="1000" dirty="0">
-                <a:solidFill>
-                  <a:schemeClr val="bg1">
-                    <a:lumMod val="50000"/>
-                  </a:schemeClr>
-                </a:solidFill>
-              </a:rPr>
-              <a:t>Figma</a:t>
-            </a:r>
-            <a:r>
-              <a:rPr kumimoji="1" lang="ja-JP" altLang="en-US" sz="1000" dirty="0">
-                <a:solidFill>
-                  <a:schemeClr val="bg1">
-                    <a:lumMod val="50000"/>
-                  </a:schemeClr>
-                </a:solidFill>
-              </a:rPr>
-              <a:t>で開発</a:t>
-            </a:r>
-          </a:p>
-        </p:txBody>
-      </p:sp>
-      <p:sp>
-        <p:nvSpPr>
-          <p:cNvPr id="276" name="テキスト ボックス 275">
-            <a:extLst>
-              <a:ext uri="{FF2B5EF4-FFF2-40B4-BE49-F238E27FC236}">
-                <a16:creationId xmlns:a16="http://schemas.microsoft.com/office/drawing/2014/main" id="{B39EBECE-11C4-D5F4-8CF7-300E62F6FF5E}"/>
-              </a:ext>
-            </a:extLst>
-          </p:cNvPr>
-          <p:cNvSpPr txBox="1"/>
-          <p:nvPr/>
-        </p:nvSpPr>
-        <p:spPr>
-          <a:xfrm>
-            <a:off x="3591996" y="2799205"/>
-            <a:ext cx="870751" cy="246221"/>
-          </a:xfrm>
-          <a:prstGeom prst="rect">
-            <a:avLst/>
-          </a:prstGeom>
-          <a:noFill/>
-        </p:spPr>
-        <p:txBody>
-          <a:bodyPr wrap="none" rtlCol="0">
-            <a:spAutoFit/>
-          </a:bodyPr>
-          <a:lstStyle/>
-          <a:p>
-            <a:r>
-              <a:rPr kumimoji="1" lang="en-US" altLang="ja-JP" sz="1000" dirty="0">
-                <a:solidFill>
-                  <a:schemeClr val="bg1">
-                    <a:lumMod val="50000"/>
-                  </a:schemeClr>
-                </a:solidFill>
-              </a:rPr>
-              <a:t>Cline</a:t>
-            </a:r>
-            <a:r>
-              <a:rPr kumimoji="1" lang="ja-JP" altLang="en-US" sz="1000" dirty="0">
-                <a:solidFill>
-                  <a:schemeClr val="bg1">
-                    <a:lumMod val="50000"/>
-                  </a:schemeClr>
-                </a:solidFill>
-              </a:rPr>
-              <a:t>で開発</a:t>
-            </a:r>
-          </a:p>
-        </p:txBody>
-      </p:sp>
-      <p:sp>
-        <p:nvSpPr>
           <p:cNvPr id="278" name="テキスト ボックス 277">
             <a:extLst>
               <a:ext uri="{FF2B5EF4-FFF2-40B4-BE49-F238E27FC236}">
@@ -6582,13 +6480,13 @@
         </p:nvSpPr>
         <p:spPr>
           <a:xfrm>
-            <a:off x="1249681" y="4508722"/>
-            <a:ext cx="1544610" cy="1002277"/>
+            <a:off x="2059580" y="2562507"/>
+            <a:ext cx="1160391" cy="269397"/>
           </a:xfrm>
           <a:prstGeom prst="wedgeRectCallout">
             <a:avLst>
-              <a:gd name="adj1" fmla="val 50969"/>
-              <a:gd name="adj2" fmla="val -82880"/>
+              <a:gd name="adj1" fmla="val 32131"/>
+              <a:gd name="adj2" fmla="val 100845"/>
             </a:avLst>
           </a:prstGeom>
           <a:solidFill>
@@ -6617,42 +6515,6 @@
         <p:txBody>
           <a:bodyPr rtlCol="0" anchor="ctr"/>
           <a:lstStyle/>
-          <a:p>
-            <a:pPr algn="ctr"/>
-            <a:r>
-              <a:rPr lang="ja-JP" altLang="en-US" sz="1400" dirty="0">
-                <a:ln w="0"/>
-                <a:solidFill>
-                  <a:schemeClr val="accent2"/>
-                </a:solidFill>
-                <a:effectLst>
-                  <a:outerShdw blurRad="38100" dist="25400" dir="5400000" algn="ctr" rotWithShape="0">
-                    <a:srgbClr val="6E747A">
-                      <a:alpha val="43000"/>
-                    </a:srgbClr>
-                  </a:outerShdw>
-                </a:effectLst>
-                <a:latin typeface="Meiryo UI" panose="020B0604030504040204" pitchFamily="50" charset="-128"/>
-                <a:ea typeface="Meiryo UI" panose="020B0604030504040204" pitchFamily="50" charset="-128"/>
-              </a:rPr>
-              <a:t>本日の説明範囲。</a:t>
-            </a:r>
-            <a:endParaRPr lang="en-US" altLang="ja-JP" sz="1400" dirty="0">
-              <a:ln w="0"/>
-              <a:solidFill>
-                <a:schemeClr val="accent2"/>
-              </a:solidFill>
-              <a:effectLst>
-                <a:outerShdw blurRad="38100" dist="25400" dir="5400000" algn="ctr" rotWithShape="0">
-                  <a:srgbClr val="6E747A">
-                    <a:alpha val="43000"/>
-                  </a:srgbClr>
-                </a:outerShdw>
-              </a:effectLst>
-              <a:latin typeface="Meiryo UI" panose="020B0604030504040204" pitchFamily="50" charset="-128"/>
-              <a:ea typeface="Meiryo UI" panose="020B0604030504040204" pitchFamily="50" charset="-128"/>
-            </a:endParaRPr>
-          </a:p>
           <a:p>
             <a:pPr algn="ctr"/>
             <a:r>
@@ -6671,61 +6533,7 @@
                 <a:latin typeface="Meiryo UI" panose="020B0604030504040204" pitchFamily="50" charset="-128"/>
                 <a:ea typeface="Meiryo UI" panose="020B0604030504040204" pitchFamily="50" charset="-128"/>
               </a:rPr>
-              <a:t>静的</a:t>
-            </a:r>
-            <a:r>
-              <a:rPr kumimoji="1" lang="en-US" altLang="ja-JP" sz="1400" dirty="0">
-                <a:ln w="0"/>
-                <a:solidFill>
-                  <a:schemeClr val="accent2"/>
-                </a:solidFill>
-                <a:effectLst>
-                  <a:outerShdw blurRad="38100" dist="25400" dir="5400000" algn="ctr" rotWithShape="0">
-                    <a:srgbClr val="6E747A">
-                      <a:alpha val="43000"/>
-                    </a:srgbClr>
-                  </a:outerShdw>
-                </a:effectLst>
-                <a:latin typeface="Meiryo UI" panose="020B0604030504040204" pitchFamily="50" charset="-128"/>
-                <a:ea typeface="Meiryo UI" panose="020B0604030504040204" pitchFamily="50" charset="-128"/>
-              </a:rPr>
-              <a:t>WEB</a:t>
-            </a:r>
-            <a:r>
-              <a:rPr kumimoji="1" lang="ja-JP" altLang="en-US" sz="1400" dirty="0">
-                <a:ln w="0"/>
-                <a:solidFill>
-                  <a:schemeClr val="accent2"/>
-                </a:solidFill>
-                <a:effectLst>
-                  <a:outerShdw blurRad="38100" dist="25400" dir="5400000" algn="ctr" rotWithShape="0">
-                    <a:srgbClr val="6E747A">
-                      <a:alpha val="43000"/>
-                    </a:srgbClr>
-                  </a:outerShdw>
-                </a:effectLst>
-                <a:latin typeface="Meiryo UI" panose="020B0604030504040204" pitchFamily="50" charset="-128"/>
-                <a:ea typeface="Meiryo UI" panose="020B0604030504040204" pitchFamily="50" charset="-128"/>
-              </a:rPr>
-              <a:t>サイトならここだけで</a:t>
-            </a:r>
-            <a:r>
-              <a:rPr kumimoji="1" lang="en-US" altLang="ja-JP" sz="1400" dirty="0">
-                <a:ln w="0"/>
-                <a:solidFill>
-                  <a:schemeClr val="accent2"/>
-                </a:solidFill>
-                <a:effectLst>
-                  <a:outerShdw blurRad="38100" dist="25400" dir="5400000" algn="ctr" rotWithShape="0">
-                    <a:srgbClr val="6E747A">
-                      <a:alpha val="43000"/>
-                    </a:srgbClr>
-                  </a:outerShdw>
-                </a:effectLst>
-                <a:latin typeface="Meiryo UI" panose="020B0604030504040204" pitchFamily="50" charset="-128"/>
-                <a:ea typeface="Meiryo UI" panose="020B0604030504040204" pitchFamily="50" charset="-128"/>
-              </a:rPr>
-              <a:t>OK</a:t>
+              <a:t>開発効率化</a:t>
             </a:r>
             <a:endParaRPr kumimoji="1" lang="ja-JP" altLang="en-US" sz="2000" dirty="0">
               <a:solidFill>
@@ -6751,17 +6559,18 @@
         </p:nvSpPr>
         <p:spPr>
           <a:xfrm>
-            <a:off x="2762658" y="3343027"/>
-            <a:ext cx="617894" cy="933866"/>
+            <a:off x="2830969" y="3376920"/>
+            <a:ext cx="496490" cy="892322"/>
           </a:xfrm>
           <a:prstGeom prst="rect">
             <a:avLst/>
           </a:prstGeom>
           <a:noFill/>
-          <a:ln w="31750">
+          <a:ln w="25400">
             <a:solidFill>
               <a:schemeClr val="accent2"/>
             </a:solidFill>
+            <a:prstDash val="sysDash"/>
           </a:ln>
         </p:spPr>
         <p:style>
@@ -6839,6 +6648,205 @@
               <a:latin typeface="Microsoft YaHei UI Light" panose="020B0502040204020203" pitchFamily="34" charset="-122"/>
               <a:ea typeface="Microsoft YaHei UI Light" panose="020B0502040204020203" pitchFamily="34" charset="-122"/>
             </a:endParaRPr>
+          </a:p>
+        </p:txBody>
+      </p:sp>
+      <p:sp>
+        <p:nvSpPr>
+          <p:cNvPr id="3" name="吹き出し: 四角形 2">
+            <a:extLst>
+              <a:ext uri="{FF2B5EF4-FFF2-40B4-BE49-F238E27FC236}">
+                <a16:creationId xmlns:a16="http://schemas.microsoft.com/office/drawing/2014/main" id="{25DF7612-20E8-0D43-06A2-9CBCF3A68D99}"/>
+              </a:ext>
+            </a:extLst>
+          </p:cNvPr>
+          <p:cNvSpPr/>
+          <p:nvPr/>
+        </p:nvSpPr>
+        <p:spPr>
+          <a:xfrm>
+            <a:off x="3433069" y="2575220"/>
+            <a:ext cx="1160391" cy="269397"/>
+          </a:xfrm>
+          <a:prstGeom prst="wedgeRectCallout">
+            <a:avLst>
+              <a:gd name="adj1" fmla="val 683"/>
+              <a:gd name="adj2" fmla="val 113301"/>
+            </a:avLst>
+          </a:prstGeom>
+          <a:solidFill>
+            <a:schemeClr val="bg1"/>
+          </a:solidFill>
+          <a:ln w="25400">
+            <a:solidFill>
+              <a:schemeClr val="accent2"/>
+            </a:solidFill>
+          </a:ln>
+        </p:spPr>
+        <p:style>
+          <a:lnRef idx="1">
+            <a:schemeClr val="accent4"/>
+          </a:lnRef>
+          <a:fillRef idx="2">
+            <a:schemeClr val="accent4"/>
+          </a:fillRef>
+          <a:effectRef idx="1">
+            <a:schemeClr val="accent4"/>
+          </a:effectRef>
+          <a:fontRef idx="minor">
+            <a:schemeClr val="dk1"/>
+          </a:fontRef>
+        </p:style>
+        <p:txBody>
+          <a:bodyPr rtlCol="0" anchor="ctr"/>
+          <a:lstStyle/>
+          <a:p>
+            <a:pPr algn="ctr"/>
+            <a:r>
+              <a:rPr kumimoji="1" lang="ja-JP" altLang="en-US" sz="1400" dirty="0">
+                <a:ln w="0"/>
+                <a:solidFill>
+                  <a:schemeClr val="accent2"/>
+                </a:solidFill>
+                <a:effectLst>
+                  <a:outerShdw blurRad="38100" dist="25400" dir="5400000" algn="ctr" rotWithShape="0">
+                    <a:srgbClr val="6E747A">
+                      <a:alpha val="43000"/>
+                    </a:srgbClr>
+                  </a:outerShdw>
+                </a:effectLst>
+                <a:latin typeface="Meiryo UI" panose="020B0604030504040204" pitchFamily="50" charset="-128"/>
+                <a:ea typeface="Meiryo UI" panose="020B0604030504040204" pitchFamily="50" charset="-128"/>
+              </a:rPr>
+              <a:t>開発効率化</a:t>
+            </a:r>
+            <a:endParaRPr kumimoji="1" lang="ja-JP" altLang="en-US" sz="2000" dirty="0">
+              <a:solidFill>
+                <a:schemeClr val="accent2"/>
+              </a:solidFill>
+              <a:latin typeface="Meiryo UI" panose="020B0604030504040204" pitchFamily="50" charset="-128"/>
+              <a:ea typeface="Meiryo UI" panose="020B0604030504040204" pitchFamily="50" charset="-128"/>
+            </a:endParaRPr>
+          </a:p>
+        </p:txBody>
+      </p:sp>
+      <p:sp>
+        <p:nvSpPr>
+          <p:cNvPr id="4" name="吹き出し: 四角形 3">
+            <a:extLst>
+              <a:ext uri="{FF2B5EF4-FFF2-40B4-BE49-F238E27FC236}">
+                <a16:creationId xmlns:a16="http://schemas.microsoft.com/office/drawing/2014/main" id="{0589F3F9-FC23-DF32-1D18-C38731F0C0F6}"/>
+              </a:ext>
+            </a:extLst>
+          </p:cNvPr>
+          <p:cNvSpPr/>
+          <p:nvPr/>
+        </p:nvSpPr>
+        <p:spPr>
+          <a:xfrm>
+            <a:off x="9999159" y="3184560"/>
+            <a:ext cx="564930" cy="269397"/>
+          </a:xfrm>
+          <a:prstGeom prst="wedgeRectCallout">
+            <a:avLst>
+              <a:gd name="adj1" fmla="val -17879"/>
+              <a:gd name="adj2" fmla="val 117972"/>
+            </a:avLst>
+          </a:prstGeom>
+          <a:solidFill>
+            <a:schemeClr val="bg1"/>
+          </a:solidFill>
+          <a:ln w="25400">
+            <a:solidFill>
+              <a:schemeClr val="accent2"/>
+            </a:solidFill>
+          </a:ln>
+        </p:spPr>
+        <p:style>
+          <a:lnRef idx="1">
+            <a:schemeClr val="accent4"/>
+          </a:lnRef>
+          <a:fillRef idx="2">
+            <a:schemeClr val="accent4"/>
+          </a:fillRef>
+          <a:effectRef idx="1">
+            <a:schemeClr val="accent4"/>
+          </a:effectRef>
+          <a:fontRef idx="minor">
+            <a:schemeClr val="dk1"/>
+          </a:fontRef>
+        </p:style>
+        <p:txBody>
+          <a:bodyPr rtlCol="0" anchor="ctr"/>
+          <a:lstStyle/>
+          <a:p>
+            <a:pPr algn="ctr"/>
+            <a:r>
+              <a:rPr kumimoji="1" lang="en-US" altLang="ja-JP" sz="1400" dirty="0">
+                <a:ln w="0"/>
+                <a:solidFill>
+                  <a:schemeClr val="accent2"/>
+                </a:solidFill>
+                <a:effectLst>
+                  <a:outerShdw blurRad="38100" dist="25400" dir="5400000" algn="ctr" rotWithShape="0">
+                    <a:srgbClr val="6E747A">
+                      <a:alpha val="43000"/>
+                    </a:srgbClr>
+                  </a:outerShdw>
+                </a:effectLst>
+                <a:latin typeface="Meiryo UI" panose="020B0604030504040204" pitchFamily="50" charset="-128"/>
+                <a:ea typeface="Meiryo UI" panose="020B0604030504040204" pitchFamily="50" charset="-128"/>
+              </a:rPr>
+              <a:t>AI</a:t>
+            </a:r>
+            <a:endParaRPr kumimoji="1" lang="ja-JP" altLang="en-US" sz="2000" dirty="0">
+              <a:solidFill>
+                <a:schemeClr val="accent2"/>
+              </a:solidFill>
+              <a:latin typeface="Meiryo UI" panose="020B0604030504040204" pitchFamily="50" charset="-128"/>
+              <a:ea typeface="Meiryo UI" panose="020B0604030504040204" pitchFamily="50" charset="-128"/>
+            </a:endParaRPr>
+          </a:p>
+        </p:txBody>
+      </p:sp>
+      <p:sp>
+        <p:nvSpPr>
+          <p:cNvPr id="5" name="テキスト ボックス 4">
+            <a:extLst>
+              <a:ext uri="{FF2B5EF4-FFF2-40B4-BE49-F238E27FC236}">
+                <a16:creationId xmlns:a16="http://schemas.microsoft.com/office/drawing/2014/main" id="{22F854A8-BD83-9D9F-08C3-6316ED7E5CDD}"/>
+              </a:ext>
+            </a:extLst>
+          </p:cNvPr>
+          <p:cNvSpPr txBox="1"/>
+          <p:nvPr/>
+        </p:nvSpPr>
+        <p:spPr>
+          <a:xfrm>
+            <a:off x="2613904" y="4231428"/>
+            <a:ext cx="941283" cy="276999"/>
+          </a:xfrm>
+          <a:prstGeom prst="rect">
+            <a:avLst/>
+          </a:prstGeom>
+          <a:noFill/>
+        </p:spPr>
+        <p:txBody>
+          <a:bodyPr wrap="none" rtlCol="0">
+            <a:spAutoFit/>
+          </a:bodyPr>
+          <a:lstStyle/>
+          <a:p>
+            <a:r>
+              <a:rPr kumimoji="1" lang="ja-JP" altLang="en-US" sz="1200" b="1" dirty="0">
+                <a:solidFill>
+                  <a:schemeClr val="accent2"/>
+                </a:solidFill>
+                <a:latin typeface="Meiryo UI" panose="020B0604030504040204" pitchFamily="50" charset="-128"/>
+                <a:ea typeface="Meiryo UI" panose="020B0604030504040204" pitchFamily="50" charset="-128"/>
+              </a:rPr>
+              <a:t>本日の説明</a:t>
+            </a:r>
           </a:p>
         </p:txBody>
       </p:sp>
@@ -9667,6 +9675,297 @@
           </a:fontRef>
         </p:style>
       </p:cxnSp>
+      <p:sp>
+        <p:nvSpPr>
+          <p:cNvPr id="2" name="吹き出し: 四角形 1">
+            <a:extLst>
+              <a:ext uri="{FF2B5EF4-FFF2-40B4-BE49-F238E27FC236}">
+                <a16:creationId xmlns:a16="http://schemas.microsoft.com/office/drawing/2014/main" id="{4C48F953-282E-B970-8EBE-C6AA47950DB4}"/>
+              </a:ext>
+            </a:extLst>
+          </p:cNvPr>
+          <p:cNvSpPr/>
+          <p:nvPr/>
+        </p:nvSpPr>
+        <p:spPr>
+          <a:xfrm>
+            <a:off x="5654659" y="3398147"/>
+            <a:ext cx="1240852" cy="271167"/>
+          </a:xfrm>
+          <a:prstGeom prst="wedgeRectCallout">
+            <a:avLst>
+              <a:gd name="adj1" fmla="val 40152"/>
+              <a:gd name="adj2" fmla="val 149145"/>
+            </a:avLst>
+          </a:prstGeom>
+          <a:solidFill>
+            <a:schemeClr val="bg1"/>
+          </a:solidFill>
+          <a:ln w="25400">
+            <a:solidFill>
+              <a:schemeClr val="accent2"/>
+            </a:solidFill>
+          </a:ln>
+        </p:spPr>
+        <p:style>
+          <a:lnRef idx="1">
+            <a:schemeClr val="accent4"/>
+          </a:lnRef>
+          <a:fillRef idx="2">
+            <a:schemeClr val="accent4"/>
+          </a:fillRef>
+          <a:effectRef idx="1">
+            <a:schemeClr val="accent4"/>
+          </a:effectRef>
+          <a:fontRef idx="minor">
+            <a:schemeClr val="dk1"/>
+          </a:fontRef>
+        </p:style>
+        <p:txBody>
+          <a:bodyPr rtlCol="0" anchor="ctr"/>
+          <a:lstStyle/>
+          <a:p>
+            <a:pPr algn="ctr"/>
+            <a:r>
+              <a:rPr lang="en-US" altLang="ja-JP" sz="1400" dirty="0">
+                <a:ln w="0"/>
+                <a:solidFill>
+                  <a:schemeClr val="accent2"/>
+                </a:solidFill>
+                <a:effectLst>
+                  <a:outerShdw blurRad="38100" dist="25400" dir="5400000" algn="ctr" rotWithShape="0">
+                    <a:srgbClr val="6E747A">
+                      <a:alpha val="43000"/>
+                    </a:srgbClr>
+                  </a:outerShdw>
+                </a:effectLst>
+                <a:latin typeface="Meiryo UI" panose="020B0604030504040204" pitchFamily="50" charset="-128"/>
+                <a:ea typeface="Meiryo UI" panose="020B0604030504040204" pitchFamily="50" charset="-128"/>
+              </a:rPr>
+              <a:t>WEB</a:t>
+            </a:r>
+            <a:r>
+              <a:rPr lang="ja-JP" altLang="en-US" sz="1400" dirty="0">
+                <a:ln w="0"/>
+                <a:solidFill>
+                  <a:schemeClr val="accent2"/>
+                </a:solidFill>
+                <a:effectLst>
+                  <a:outerShdw blurRad="38100" dist="25400" dir="5400000" algn="ctr" rotWithShape="0">
+                    <a:srgbClr val="6E747A">
+                      <a:alpha val="43000"/>
+                    </a:srgbClr>
+                  </a:outerShdw>
+                </a:effectLst>
+                <a:latin typeface="Meiryo UI" panose="020B0604030504040204" pitchFamily="50" charset="-128"/>
+                <a:ea typeface="Meiryo UI" panose="020B0604030504040204" pitchFamily="50" charset="-128"/>
+              </a:rPr>
+              <a:t>ｻｰﾊﾞﾚｽ</a:t>
+            </a:r>
+            <a:endParaRPr kumimoji="1" lang="ja-JP" altLang="en-US" sz="2000" dirty="0">
+              <a:solidFill>
+                <a:schemeClr val="accent2"/>
+              </a:solidFill>
+              <a:latin typeface="Meiryo UI" panose="020B0604030504040204" pitchFamily="50" charset="-128"/>
+              <a:ea typeface="Meiryo UI" panose="020B0604030504040204" pitchFamily="50" charset="-128"/>
+            </a:endParaRPr>
+          </a:p>
+        </p:txBody>
+      </p:sp>
+      <p:sp>
+        <p:nvSpPr>
+          <p:cNvPr id="10" name="吹き出し: 四角形 9">
+            <a:extLst>
+              <a:ext uri="{FF2B5EF4-FFF2-40B4-BE49-F238E27FC236}">
+                <a16:creationId xmlns:a16="http://schemas.microsoft.com/office/drawing/2014/main" id="{ECBE5986-3707-A37C-752D-F7F0BBC56117}"/>
+              </a:ext>
+            </a:extLst>
+          </p:cNvPr>
+          <p:cNvSpPr/>
+          <p:nvPr/>
+        </p:nvSpPr>
+        <p:spPr>
+          <a:xfrm>
+            <a:off x="7564065" y="3410410"/>
+            <a:ext cx="1240852" cy="271167"/>
+          </a:xfrm>
+          <a:prstGeom prst="wedgeRectCallout">
+            <a:avLst>
+              <a:gd name="adj1" fmla="val 40152"/>
+              <a:gd name="adj2" fmla="val 149145"/>
+            </a:avLst>
+          </a:prstGeom>
+          <a:solidFill>
+            <a:schemeClr val="bg1"/>
+          </a:solidFill>
+          <a:ln w="25400">
+            <a:solidFill>
+              <a:schemeClr val="accent2"/>
+            </a:solidFill>
+          </a:ln>
+        </p:spPr>
+        <p:style>
+          <a:lnRef idx="1">
+            <a:schemeClr val="accent4"/>
+          </a:lnRef>
+          <a:fillRef idx="2">
+            <a:schemeClr val="accent4"/>
+          </a:fillRef>
+          <a:effectRef idx="1">
+            <a:schemeClr val="accent4"/>
+          </a:effectRef>
+          <a:fontRef idx="minor">
+            <a:schemeClr val="dk1"/>
+          </a:fontRef>
+        </p:style>
+        <p:txBody>
+          <a:bodyPr rtlCol="0" anchor="ctr"/>
+          <a:lstStyle/>
+          <a:p>
+            <a:pPr algn="ctr"/>
+            <a:r>
+              <a:rPr lang="en-US" altLang="ja-JP" sz="1400">
+                <a:ln w="0"/>
+                <a:solidFill>
+                  <a:schemeClr val="accent2"/>
+                </a:solidFill>
+                <a:effectLst>
+                  <a:outerShdw blurRad="38100" dist="25400" dir="5400000" algn="ctr" rotWithShape="0">
+                    <a:srgbClr val="6E747A">
+                      <a:alpha val="43000"/>
+                    </a:srgbClr>
+                  </a:outerShdw>
+                </a:effectLst>
+                <a:latin typeface="Meiryo UI" panose="020B0604030504040204" pitchFamily="50" charset="-128"/>
+                <a:ea typeface="Meiryo UI" panose="020B0604030504040204" pitchFamily="50" charset="-128"/>
+              </a:rPr>
+              <a:t>APP</a:t>
+            </a:r>
+            <a:r>
+              <a:rPr lang="ja-JP" altLang="en-US" sz="1400" dirty="0">
+                <a:ln w="0"/>
+                <a:solidFill>
+                  <a:schemeClr val="accent2"/>
+                </a:solidFill>
+                <a:effectLst>
+                  <a:outerShdw blurRad="38100" dist="25400" dir="5400000" algn="ctr" rotWithShape="0">
+                    <a:srgbClr val="6E747A">
+                      <a:alpha val="43000"/>
+                    </a:srgbClr>
+                  </a:outerShdw>
+                </a:effectLst>
+                <a:latin typeface="Meiryo UI" panose="020B0604030504040204" pitchFamily="50" charset="-128"/>
+                <a:ea typeface="Meiryo UI" panose="020B0604030504040204" pitchFamily="50" charset="-128"/>
+              </a:rPr>
+              <a:t>ｻｰﾊﾞﾚｽ</a:t>
+            </a:r>
+            <a:endParaRPr kumimoji="1" lang="ja-JP" altLang="en-US" sz="2000" dirty="0">
+              <a:solidFill>
+                <a:schemeClr val="accent2"/>
+              </a:solidFill>
+              <a:latin typeface="Meiryo UI" panose="020B0604030504040204" pitchFamily="50" charset="-128"/>
+              <a:ea typeface="Meiryo UI" panose="020B0604030504040204" pitchFamily="50" charset="-128"/>
+            </a:endParaRPr>
+          </a:p>
+        </p:txBody>
+      </p:sp>
+      <p:sp>
+        <p:nvSpPr>
+          <p:cNvPr id="12" name="吹き出し: 四角形 11">
+            <a:extLst>
+              <a:ext uri="{FF2B5EF4-FFF2-40B4-BE49-F238E27FC236}">
+                <a16:creationId xmlns:a16="http://schemas.microsoft.com/office/drawing/2014/main" id="{3D1E43D4-14C7-8B36-A6DE-6BB392618710}"/>
+              </a:ext>
+            </a:extLst>
+          </p:cNvPr>
+          <p:cNvSpPr/>
+          <p:nvPr/>
+        </p:nvSpPr>
+        <p:spPr>
+          <a:xfrm>
+            <a:off x="9450439" y="3423608"/>
+            <a:ext cx="1097026" cy="271167"/>
+          </a:xfrm>
+          <a:prstGeom prst="wedgeRectCallout">
+            <a:avLst>
+              <a:gd name="adj1" fmla="val 22182"/>
+              <a:gd name="adj2" fmla="val 105834"/>
+            </a:avLst>
+          </a:prstGeom>
+          <a:solidFill>
+            <a:schemeClr val="bg1"/>
+          </a:solidFill>
+          <a:ln w="25400">
+            <a:solidFill>
+              <a:schemeClr val="accent2"/>
+            </a:solidFill>
+          </a:ln>
+        </p:spPr>
+        <p:style>
+          <a:lnRef idx="1">
+            <a:schemeClr val="accent4"/>
+          </a:lnRef>
+          <a:fillRef idx="2">
+            <a:schemeClr val="accent4"/>
+          </a:fillRef>
+          <a:effectRef idx="1">
+            <a:schemeClr val="accent4"/>
+          </a:effectRef>
+          <a:fontRef idx="minor">
+            <a:schemeClr val="dk1"/>
+          </a:fontRef>
+        </p:style>
+        <p:txBody>
+          <a:bodyPr rtlCol="0" anchor="ctr"/>
+          <a:lstStyle/>
+          <a:p>
+            <a:pPr algn="ctr"/>
+            <a:r>
+              <a:rPr lang="en-US" altLang="ja-JP" sz="1400">
+                <a:ln w="0"/>
+                <a:solidFill>
+                  <a:schemeClr val="accent2"/>
+                </a:solidFill>
+                <a:effectLst>
+                  <a:outerShdw blurRad="38100" dist="25400" dir="5400000" algn="ctr" rotWithShape="0">
+                    <a:srgbClr val="6E747A">
+                      <a:alpha val="43000"/>
+                    </a:srgbClr>
+                  </a:outerShdw>
+                </a:effectLst>
+                <a:latin typeface="Meiryo UI" panose="020B0604030504040204" pitchFamily="50" charset="-128"/>
+                <a:ea typeface="Meiryo UI" panose="020B0604030504040204" pitchFamily="50" charset="-128"/>
+              </a:rPr>
+              <a:t>DB</a:t>
+            </a:r>
+            <a:r>
+              <a:rPr lang="ja-JP" altLang="en-US" sz="1400" dirty="0">
+                <a:ln w="0"/>
+                <a:solidFill>
+                  <a:schemeClr val="accent2"/>
+                </a:solidFill>
+                <a:effectLst>
+                  <a:outerShdw blurRad="38100" dist="25400" dir="5400000" algn="ctr" rotWithShape="0">
+                    <a:srgbClr val="6E747A">
+                      <a:alpha val="43000"/>
+                    </a:srgbClr>
+                  </a:outerShdw>
+                </a:effectLst>
+                <a:latin typeface="Meiryo UI" panose="020B0604030504040204" pitchFamily="50" charset="-128"/>
+                <a:ea typeface="Meiryo UI" panose="020B0604030504040204" pitchFamily="50" charset="-128"/>
+              </a:rPr>
+              <a:t>ｻｰﾊﾞﾚｽ</a:t>
+            </a:r>
+            <a:endParaRPr kumimoji="1" lang="ja-JP" altLang="en-US" sz="2000" dirty="0">
+              <a:solidFill>
+                <a:schemeClr val="accent2"/>
+              </a:solidFill>
+              <a:latin typeface="Meiryo UI" panose="020B0604030504040204" pitchFamily="50" charset="-128"/>
+              <a:ea typeface="Meiryo UI" panose="020B0604030504040204" pitchFamily="50" charset="-128"/>
+            </a:endParaRPr>
+          </a:p>
+        </p:txBody>
+      </p:sp>
     </p:spTree>
     <p:extLst>
       <p:ext uri="{BB962C8B-B14F-4D97-AF65-F5344CB8AC3E}">

--- a/aws_memo2.pptx
+++ b/aws_memo2.pptx
@@ -5,11 +5,12 @@
     <p:sldMasterId id="2147483648" r:id="rId1"/>
   </p:sldMasterIdLst>
   <p:notesMasterIdLst>
-    <p:notesMasterId r:id="rId4"/>
+    <p:notesMasterId r:id="rId5"/>
   </p:notesMasterIdLst>
   <p:sldIdLst>
-    <p:sldId id="279" r:id="rId2"/>
-    <p:sldId id="280" r:id="rId3"/>
+    <p:sldId id="281" r:id="rId2"/>
+    <p:sldId id="279" r:id="rId3"/>
+    <p:sldId id="280" r:id="rId4"/>
   </p:sldIdLst>
   <p:sldSz cx="12192000" cy="6858000"/>
   <p:notesSz cx="6858000" cy="9144000"/>
@@ -586,7 +587,7 @@
           <a:p>
             <a:fld id="{F26B5E0E-6561-4E24-914F-2830C8F0DB86}" type="slidenum">
               <a:rPr kumimoji="1" lang="ja-JP" altLang="en-US" smtClean="0"/>
-              <a:t>1</a:t>
+              <a:t>2</a:t>
             </a:fld>
             <a:endParaRPr kumimoji="1" lang="ja-JP" altLang="en-US"/>
           </a:p>
@@ -694,7 +695,7 @@
           <a:p>
             <a:fld id="{F26B5E0E-6561-4E24-914F-2830C8F0DB86}" type="slidenum">
               <a:rPr kumimoji="1" lang="ja-JP" altLang="en-US" smtClean="0"/>
-              <a:t>2</a:t>
+              <a:t>3</a:t>
             </a:fld>
             <a:endParaRPr kumimoji="1" lang="ja-JP" altLang="en-US"/>
           </a:p>
@@ -4203,6 +4204,1178 @@
   <p:cSld>
     <p:spTree>
       <p:nvGrpSpPr>
+        <p:cNvPr id="1" name=""/>
+        <p:cNvGrpSpPr/>
+        <p:nvPr/>
+      </p:nvGrpSpPr>
+      <p:grpSpPr>
+        <a:xfrm>
+          <a:off x="0" y="0"/>
+          <a:ext cx="0" cy="0"/>
+          <a:chOff x="0" y="0"/>
+          <a:chExt cx="0" cy="0"/>
+        </a:xfrm>
+      </p:grpSpPr>
+      <p:sp>
+        <p:nvSpPr>
+          <p:cNvPr id="93" name="正方形/長方形 92">
+            <a:extLst>
+              <a:ext uri="{FF2B5EF4-FFF2-40B4-BE49-F238E27FC236}">
+                <a16:creationId xmlns:a16="http://schemas.microsoft.com/office/drawing/2014/main" id="{09E509F6-BD4A-5FA9-3B1B-AF2D18983F8F}"/>
+              </a:ext>
+            </a:extLst>
+          </p:cNvPr>
+          <p:cNvSpPr/>
+          <p:nvPr/>
+        </p:nvSpPr>
+        <p:spPr>
+          <a:xfrm>
+            <a:off x="982900" y="1807469"/>
+            <a:ext cx="5113099" cy="4643120"/>
+          </a:xfrm>
+          <a:prstGeom prst="rect">
+            <a:avLst/>
+          </a:prstGeom>
+          <a:noFill/>
+        </p:spPr>
+        <p:style>
+          <a:lnRef idx="2">
+            <a:schemeClr val="accent1">
+              <a:shade val="15000"/>
+            </a:schemeClr>
+          </a:lnRef>
+          <a:fillRef idx="1">
+            <a:schemeClr val="accent1"/>
+          </a:fillRef>
+          <a:effectRef idx="0">
+            <a:schemeClr val="accent1"/>
+          </a:effectRef>
+          <a:fontRef idx="minor">
+            <a:schemeClr val="lt1"/>
+          </a:fontRef>
+        </p:style>
+        <p:txBody>
+          <a:bodyPr rtlCol="0" anchor="ctr"/>
+          <a:lstStyle/>
+          <a:p>
+            <a:pPr algn="ctr"/>
+            <a:endParaRPr kumimoji="1" lang="ja-JP" altLang="en-US"/>
+          </a:p>
+        </p:txBody>
+      </p:sp>
+      <p:sp>
+        <p:nvSpPr>
+          <p:cNvPr id="4" name="テキスト ボックス 3">
+            <a:extLst>
+              <a:ext uri="{FF2B5EF4-FFF2-40B4-BE49-F238E27FC236}">
+                <a16:creationId xmlns:a16="http://schemas.microsoft.com/office/drawing/2014/main" id="{99CA6493-9626-C5D2-4187-FDCB44E21B83}"/>
+              </a:ext>
+            </a:extLst>
+          </p:cNvPr>
+          <p:cNvSpPr txBox="1"/>
+          <p:nvPr/>
+        </p:nvSpPr>
+        <p:spPr>
+          <a:xfrm>
+            <a:off x="11155555" y="137929"/>
+            <a:ext cx="745717" cy="369332"/>
+          </a:xfrm>
+          <a:prstGeom prst="rect">
+            <a:avLst/>
+          </a:prstGeom>
+          <a:solidFill>
+            <a:schemeClr val="accent1">
+              <a:lumMod val="60000"/>
+              <a:lumOff val="40000"/>
+            </a:schemeClr>
+          </a:solidFill>
+        </p:spPr>
+        <p:txBody>
+          <a:bodyPr wrap="none" rtlCol="0">
+            <a:spAutoFit/>
+          </a:bodyPr>
+          <a:lstStyle/>
+          <a:p>
+            <a:r>
+              <a:rPr kumimoji="1" lang="en-US" altLang="ja-JP" dirty="0">
+                <a:solidFill>
+                  <a:schemeClr val="bg1"/>
+                </a:solidFill>
+                <a:latin typeface="Microsoft YaHei UI Light" panose="020B0502040204020203" pitchFamily="34" charset="-122"/>
+                <a:ea typeface="Microsoft YaHei UI Light" panose="020B0502040204020203" pitchFamily="34" charset="-122"/>
+              </a:rPr>
+              <a:t>S S N</a:t>
+            </a:r>
+          </a:p>
+        </p:txBody>
+      </p:sp>
+      <p:pic>
+        <p:nvPicPr>
+          <p:cNvPr id="26" name="図 25">
+            <a:extLst>
+              <a:ext uri="{FF2B5EF4-FFF2-40B4-BE49-F238E27FC236}">
+                <a16:creationId xmlns:a16="http://schemas.microsoft.com/office/drawing/2014/main" id="{353BB4CD-9AFF-1823-361C-F4FFDBB507AD}"/>
+              </a:ext>
+            </a:extLst>
+          </p:cNvPr>
+          <p:cNvPicPr>
+            <a:picLocks noChangeAspect="1"/>
+          </p:cNvPicPr>
+          <p:nvPr/>
+        </p:nvPicPr>
+        <p:blipFill>
+          <a:blip r:embed="rId2"/>
+          <a:stretch>
+            <a:fillRect/>
+          </a:stretch>
+        </p:blipFill>
+        <p:spPr>
+          <a:xfrm>
+            <a:off x="8964552" y="3263243"/>
+            <a:ext cx="395537" cy="402954"/>
+          </a:xfrm>
+          <a:prstGeom prst="rect">
+            <a:avLst/>
+          </a:prstGeom>
+        </p:spPr>
+      </p:pic>
+      <p:pic>
+        <p:nvPicPr>
+          <p:cNvPr id="32" name="図 31">
+            <a:extLst>
+              <a:ext uri="{FF2B5EF4-FFF2-40B4-BE49-F238E27FC236}">
+                <a16:creationId xmlns:a16="http://schemas.microsoft.com/office/drawing/2014/main" id="{84AEE896-2765-61B0-871A-1A5419405009}"/>
+              </a:ext>
+            </a:extLst>
+          </p:cNvPr>
+          <p:cNvPicPr>
+            <a:picLocks noChangeAspect="1"/>
+          </p:cNvPicPr>
+          <p:nvPr/>
+        </p:nvPicPr>
+        <p:blipFill>
+          <a:blip r:embed="rId3"/>
+          <a:stretch>
+            <a:fillRect/>
+          </a:stretch>
+        </p:blipFill>
+        <p:spPr>
+          <a:xfrm>
+            <a:off x="8162834" y="4659039"/>
+            <a:ext cx="516473" cy="509647"/>
+          </a:xfrm>
+          <a:prstGeom prst="rect">
+            <a:avLst/>
+          </a:prstGeom>
+        </p:spPr>
+      </p:pic>
+      <p:cxnSp>
+        <p:nvCxnSpPr>
+          <p:cNvPr id="36" name="直線矢印コネクタ 35">
+            <a:extLst>
+              <a:ext uri="{FF2B5EF4-FFF2-40B4-BE49-F238E27FC236}">
+                <a16:creationId xmlns:a16="http://schemas.microsoft.com/office/drawing/2014/main" id="{D06CEC94-28F1-1789-9CE6-E1785D52270B}"/>
+              </a:ext>
+            </a:extLst>
+          </p:cNvPr>
+          <p:cNvCxnSpPr>
+            <a:cxnSpLocks/>
+            <a:stCxn id="26" idx="2"/>
+            <a:endCxn id="41" idx="0"/>
+          </p:cNvCxnSpPr>
+          <p:nvPr/>
+        </p:nvCxnSpPr>
+        <p:spPr>
+          <a:xfrm>
+            <a:off x="9162321" y="3666197"/>
+            <a:ext cx="7352" cy="914750"/>
+          </a:xfrm>
+          <a:prstGeom prst="straightConnector1">
+            <a:avLst/>
+          </a:prstGeom>
+          <a:ln w="31750">
+            <a:tailEnd type="triangle"/>
+          </a:ln>
+        </p:spPr>
+        <p:style>
+          <a:lnRef idx="3">
+            <a:schemeClr val="accent1"/>
+          </a:lnRef>
+          <a:fillRef idx="0">
+            <a:schemeClr val="accent1"/>
+          </a:fillRef>
+          <a:effectRef idx="2">
+            <a:schemeClr val="accent1"/>
+          </a:effectRef>
+          <a:fontRef idx="minor">
+            <a:schemeClr val="tx1"/>
+          </a:fontRef>
+        </p:style>
+      </p:cxnSp>
+      <p:cxnSp>
+        <p:nvCxnSpPr>
+          <p:cNvPr id="37" name="直線矢印コネクタ 36">
+            <a:extLst>
+              <a:ext uri="{FF2B5EF4-FFF2-40B4-BE49-F238E27FC236}">
+                <a16:creationId xmlns:a16="http://schemas.microsoft.com/office/drawing/2014/main" id="{239D9FB1-3922-641E-B50D-82253E4D91A6}"/>
+              </a:ext>
+            </a:extLst>
+          </p:cNvPr>
+          <p:cNvCxnSpPr>
+            <a:cxnSpLocks/>
+            <a:stCxn id="26" idx="2"/>
+            <a:endCxn id="32" idx="0"/>
+          </p:cNvCxnSpPr>
+          <p:nvPr/>
+        </p:nvCxnSpPr>
+        <p:spPr>
+          <a:xfrm flipH="1">
+            <a:off x="8421071" y="3666197"/>
+            <a:ext cx="741250" cy="992842"/>
+          </a:xfrm>
+          <a:prstGeom prst="straightConnector1">
+            <a:avLst/>
+          </a:prstGeom>
+          <a:ln w="31750">
+            <a:tailEnd type="triangle"/>
+          </a:ln>
+        </p:spPr>
+        <p:style>
+          <a:lnRef idx="3">
+            <a:schemeClr val="accent1"/>
+          </a:lnRef>
+          <a:fillRef idx="0">
+            <a:schemeClr val="accent1"/>
+          </a:fillRef>
+          <a:effectRef idx="2">
+            <a:schemeClr val="accent1"/>
+          </a:effectRef>
+          <a:fontRef idx="minor">
+            <a:schemeClr val="tx1"/>
+          </a:fontRef>
+        </p:style>
+      </p:cxnSp>
+      <p:pic>
+        <p:nvPicPr>
+          <p:cNvPr id="41" name="図 40">
+            <a:extLst>
+              <a:ext uri="{FF2B5EF4-FFF2-40B4-BE49-F238E27FC236}">
+                <a16:creationId xmlns:a16="http://schemas.microsoft.com/office/drawing/2014/main" id="{F1DF8F6F-A5E0-B8FA-1F9D-A480A9C1EB0D}"/>
+              </a:ext>
+            </a:extLst>
+          </p:cNvPr>
+          <p:cNvPicPr>
+            <a:picLocks noChangeAspect="1"/>
+          </p:cNvPicPr>
+          <p:nvPr/>
+        </p:nvPicPr>
+        <p:blipFill>
+          <a:blip r:embed="rId4">
+            <a:extLst>
+              <a:ext uri="{28A0092B-C50C-407E-A947-70E740481C1C}">
+                <a14:useLocalDpi xmlns:a14="http://schemas.microsoft.com/office/drawing/2010/main" val="0"/>
+              </a:ext>
+            </a:extLst>
+          </a:blip>
+          <a:stretch>
+            <a:fillRect/>
+          </a:stretch>
+        </p:blipFill>
+        <p:spPr>
+          <a:xfrm>
+            <a:off x="8834685" y="4580947"/>
+            <a:ext cx="669976" cy="669976"/>
+          </a:xfrm>
+          <a:prstGeom prst="rect">
+            <a:avLst/>
+          </a:prstGeom>
+        </p:spPr>
+      </p:pic>
+      <p:pic>
+        <p:nvPicPr>
+          <p:cNvPr id="64" name="図 63">
+            <a:extLst>
+              <a:ext uri="{FF2B5EF4-FFF2-40B4-BE49-F238E27FC236}">
+                <a16:creationId xmlns:a16="http://schemas.microsoft.com/office/drawing/2014/main" id="{A40179F0-F38A-64DF-E742-C8EB27C60B71}"/>
+              </a:ext>
+            </a:extLst>
+          </p:cNvPr>
+          <p:cNvPicPr>
+            <a:picLocks noChangeAspect="1"/>
+          </p:cNvPicPr>
+          <p:nvPr/>
+        </p:nvPicPr>
+        <p:blipFill>
+          <a:blip r:embed="rId5"/>
+          <a:stretch>
+            <a:fillRect/>
+          </a:stretch>
+        </p:blipFill>
+        <p:spPr>
+          <a:xfrm>
+            <a:off x="3917573" y="3014863"/>
+            <a:ext cx="274014" cy="409144"/>
+          </a:xfrm>
+          <a:prstGeom prst="rect">
+            <a:avLst/>
+          </a:prstGeom>
+        </p:spPr>
+      </p:pic>
+      <p:pic>
+        <p:nvPicPr>
+          <p:cNvPr id="65" name="図 64">
+            <a:extLst>
+              <a:ext uri="{FF2B5EF4-FFF2-40B4-BE49-F238E27FC236}">
+                <a16:creationId xmlns:a16="http://schemas.microsoft.com/office/drawing/2014/main" id="{DBE54EA7-9E9D-5A45-037B-D60B85AA9A49}"/>
+              </a:ext>
+            </a:extLst>
+          </p:cNvPr>
+          <p:cNvPicPr>
+            <a:picLocks noChangeAspect="1"/>
+          </p:cNvPicPr>
+          <p:nvPr/>
+        </p:nvPicPr>
+        <p:blipFill>
+          <a:blip r:embed="rId6"/>
+          <a:stretch>
+            <a:fillRect/>
+          </a:stretch>
+        </p:blipFill>
+        <p:spPr>
+          <a:xfrm>
+            <a:off x="8948189" y="2614753"/>
+            <a:ext cx="411022" cy="400110"/>
+          </a:xfrm>
+          <a:prstGeom prst="rect">
+            <a:avLst/>
+          </a:prstGeom>
+        </p:spPr>
+      </p:pic>
+      <p:cxnSp>
+        <p:nvCxnSpPr>
+          <p:cNvPr id="66" name="直線矢印コネクタ 65">
+            <a:extLst>
+              <a:ext uri="{FF2B5EF4-FFF2-40B4-BE49-F238E27FC236}">
+                <a16:creationId xmlns:a16="http://schemas.microsoft.com/office/drawing/2014/main" id="{AC4DCEA5-2460-CA92-C305-FE06ACA8C2A7}"/>
+              </a:ext>
+            </a:extLst>
+          </p:cNvPr>
+          <p:cNvCxnSpPr>
+            <a:cxnSpLocks/>
+            <a:stCxn id="65" idx="2"/>
+            <a:endCxn id="26" idx="0"/>
+          </p:cNvCxnSpPr>
+          <p:nvPr/>
+        </p:nvCxnSpPr>
+        <p:spPr>
+          <a:xfrm>
+            <a:off x="9153700" y="3014863"/>
+            <a:ext cx="8621" cy="248380"/>
+          </a:xfrm>
+          <a:prstGeom prst="straightConnector1">
+            <a:avLst/>
+          </a:prstGeom>
+          <a:ln w="15875">
+            <a:solidFill>
+              <a:schemeClr val="bg1">
+                <a:lumMod val="65000"/>
+              </a:schemeClr>
+            </a:solidFill>
+            <a:tailEnd type="triangle"/>
+          </a:ln>
+        </p:spPr>
+        <p:style>
+          <a:lnRef idx="3">
+            <a:schemeClr val="accent1"/>
+          </a:lnRef>
+          <a:fillRef idx="0">
+            <a:schemeClr val="accent1"/>
+          </a:fillRef>
+          <a:effectRef idx="2">
+            <a:schemeClr val="accent1"/>
+          </a:effectRef>
+          <a:fontRef idx="minor">
+            <a:schemeClr val="tx1"/>
+          </a:fontRef>
+        </p:style>
+      </p:cxnSp>
+      <p:sp>
+        <p:nvSpPr>
+          <p:cNvPr id="69" name="テキスト ボックス 68">
+            <a:extLst>
+              <a:ext uri="{FF2B5EF4-FFF2-40B4-BE49-F238E27FC236}">
+                <a16:creationId xmlns:a16="http://schemas.microsoft.com/office/drawing/2014/main" id="{BA86E48C-FCFC-3D9A-FE54-A067E4462C58}"/>
+              </a:ext>
+            </a:extLst>
+          </p:cNvPr>
+          <p:cNvSpPr txBox="1"/>
+          <p:nvPr/>
+        </p:nvSpPr>
+        <p:spPr>
+          <a:xfrm>
+            <a:off x="9183614" y="3543086"/>
+            <a:ext cx="859225" cy="246221"/>
+          </a:xfrm>
+          <a:prstGeom prst="rect">
+            <a:avLst/>
+          </a:prstGeom>
+          <a:noFill/>
+        </p:spPr>
+        <p:txBody>
+          <a:bodyPr wrap="square" rtlCol="0">
+            <a:spAutoFit/>
+          </a:bodyPr>
+          <a:lstStyle/>
+          <a:p>
+            <a:r>
+              <a:rPr kumimoji="1" lang="en-US" altLang="ja-JP" sz="1000" dirty="0">
+                <a:solidFill>
+                  <a:schemeClr val="bg1">
+                    <a:lumMod val="50000"/>
+                  </a:schemeClr>
+                </a:solidFill>
+              </a:rPr>
+              <a:t>Python</a:t>
+            </a:r>
+            <a:endParaRPr kumimoji="1" lang="ja-JP" altLang="en-US" sz="1000" dirty="0">
+              <a:solidFill>
+                <a:schemeClr val="bg1">
+                  <a:lumMod val="50000"/>
+                </a:schemeClr>
+              </a:solidFill>
+            </a:endParaRPr>
+          </a:p>
+        </p:txBody>
+      </p:sp>
+      <p:sp>
+        <p:nvSpPr>
+          <p:cNvPr id="70" name="テキスト ボックス 69">
+            <a:extLst>
+              <a:ext uri="{FF2B5EF4-FFF2-40B4-BE49-F238E27FC236}">
+                <a16:creationId xmlns:a16="http://schemas.microsoft.com/office/drawing/2014/main" id="{1EDBB143-6D14-500A-79EB-6C03CF4C375A}"/>
+              </a:ext>
+            </a:extLst>
+          </p:cNvPr>
+          <p:cNvSpPr txBox="1"/>
+          <p:nvPr/>
+        </p:nvSpPr>
+        <p:spPr>
+          <a:xfrm>
+            <a:off x="7799912" y="5117371"/>
+            <a:ext cx="1082348" cy="246221"/>
+          </a:xfrm>
+          <a:prstGeom prst="rect">
+            <a:avLst/>
+          </a:prstGeom>
+          <a:noFill/>
+        </p:spPr>
+        <p:txBody>
+          <a:bodyPr wrap="none" rtlCol="0">
+            <a:spAutoFit/>
+          </a:bodyPr>
+          <a:lstStyle/>
+          <a:p>
+            <a:r>
+              <a:rPr kumimoji="1" lang="ja-JP" altLang="en-US" sz="1000" dirty="0">
+                <a:solidFill>
+                  <a:schemeClr val="bg1">
+                    <a:lumMod val="50000"/>
+                  </a:schemeClr>
+                </a:solidFill>
+              </a:rPr>
+              <a:t>ファイルサーバ</a:t>
+            </a:r>
+          </a:p>
+        </p:txBody>
+      </p:sp>
+      <p:pic>
+        <p:nvPicPr>
+          <p:cNvPr id="79" name="図 78">
+            <a:extLst>
+              <a:ext uri="{FF2B5EF4-FFF2-40B4-BE49-F238E27FC236}">
+                <a16:creationId xmlns:a16="http://schemas.microsoft.com/office/drawing/2014/main" id="{7CC3FFF5-B7D3-E076-781E-72A0C90ED65F}"/>
+              </a:ext>
+            </a:extLst>
+          </p:cNvPr>
+          <p:cNvPicPr>
+            <a:picLocks noChangeAspect="1"/>
+          </p:cNvPicPr>
+          <p:nvPr/>
+        </p:nvPicPr>
+        <p:blipFill>
+          <a:blip r:embed="rId7"/>
+          <a:stretch>
+            <a:fillRect/>
+          </a:stretch>
+        </p:blipFill>
+        <p:spPr>
+          <a:xfrm>
+            <a:off x="3851147" y="3687656"/>
+            <a:ext cx="406866" cy="378881"/>
+          </a:xfrm>
+          <a:prstGeom prst="rect">
+            <a:avLst/>
+          </a:prstGeom>
+        </p:spPr>
+      </p:pic>
+      <p:pic>
+        <p:nvPicPr>
+          <p:cNvPr id="80" name="図 79">
+            <a:extLst>
+              <a:ext uri="{FF2B5EF4-FFF2-40B4-BE49-F238E27FC236}">
+                <a16:creationId xmlns:a16="http://schemas.microsoft.com/office/drawing/2014/main" id="{C18967C6-B0B3-BA29-F8F9-0C32CEC1EDEE}"/>
+              </a:ext>
+            </a:extLst>
+          </p:cNvPr>
+          <p:cNvPicPr>
+            <a:picLocks noChangeAspect="1"/>
+          </p:cNvPicPr>
+          <p:nvPr/>
+        </p:nvPicPr>
+        <p:blipFill>
+          <a:blip r:embed="rId8"/>
+          <a:stretch>
+            <a:fillRect/>
+          </a:stretch>
+        </p:blipFill>
+        <p:spPr>
+          <a:xfrm>
+            <a:off x="2306733" y="3682592"/>
+            <a:ext cx="509344" cy="428770"/>
+          </a:xfrm>
+          <a:prstGeom prst="rect">
+            <a:avLst/>
+          </a:prstGeom>
+        </p:spPr>
+      </p:pic>
+      <p:cxnSp>
+        <p:nvCxnSpPr>
+          <p:cNvPr id="81" name="直線矢印コネクタ 80">
+            <a:extLst>
+              <a:ext uri="{FF2B5EF4-FFF2-40B4-BE49-F238E27FC236}">
+                <a16:creationId xmlns:a16="http://schemas.microsoft.com/office/drawing/2014/main" id="{2B1E73FF-5726-196A-B609-A6900C0ED52F}"/>
+              </a:ext>
+            </a:extLst>
+          </p:cNvPr>
+          <p:cNvCxnSpPr>
+            <a:cxnSpLocks/>
+            <a:stCxn id="80" idx="3"/>
+            <a:endCxn id="83" idx="1"/>
+          </p:cNvCxnSpPr>
+          <p:nvPr/>
+        </p:nvCxnSpPr>
+        <p:spPr>
+          <a:xfrm flipV="1">
+            <a:off x="2816077" y="3893077"/>
+            <a:ext cx="578683" cy="3900"/>
+          </a:xfrm>
+          <a:prstGeom prst="straightConnector1">
+            <a:avLst/>
+          </a:prstGeom>
+          <a:ln w="31750">
+            <a:tailEnd type="triangle"/>
+          </a:ln>
+        </p:spPr>
+        <p:style>
+          <a:lnRef idx="3">
+            <a:schemeClr val="accent1"/>
+          </a:lnRef>
+          <a:fillRef idx="0">
+            <a:schemeClr val="accent1"/>
+          </a:fillRef>
+          <a:effectRef idx="2">
+            <a:schemeClr val="accent1"/>
+          </a:effectRef>
+          <a:fontRef idx="minor">
+            <a:schemeClr val="tx1"/>
+          </a:fontRef>
+        </p:style>
+      </p:cxnSp>
+      <p:sp>
+        <p:nvSpPr>
+          <p:cNvPr id="82" name="テキスト ボックス 81">
+            <a:extLst>
+              <a:ext uri="{FF2B5EF4-FFF2-40B4-BE49-F238E27FC236}">
+                <a16:creationId xmlns:a16="http://schemas.microsoft.com/office/drawing/2014/main" id="{7F6E9A58-711C-E8DB-6BBC-BC73DCA536A1}"/>
+              </a:ext>
+            </a:extLst>
+          </p:cNvPr>
+          <p:cNvSpPr txBox="1"/>
+          <p:nvPr/>
+        </p:nvSpPr>
+        <p:spPr>
+          <a:xfrm>
+            <a:off x="3812368" y="4035603"/>
+            <a:ext cx="526106" cy="246221"/>
+          </a:xfrm>
+          <a:prstGeom prst="rect">
+            <a:avLst/>
+          </a:prstGeom>
+          <a:noFill/>
+        </p:spPr>
+        <p:txBody>
+          <a:bodyPr wrap="none" rtlCol="0">
+            <a:spAutoFit/>
+          </a:bodyPr>
+          <a:lstStyle/>
+          <a:p>
+            <a:r>
+              <a:rPr kumimoji="1" lang="en-US" altLang="ja-JP" sz="1000" dirty="0">
+                <a:solidFill>
+                  <a:schemeClr val="bg1">
+                    <a:lumMod val="50000"/>
+                  </a:schemeClr>
+                </a:solidFill>
+              </a:rPr>
+              <a:t>React</a:t>
+            </a:r>
+            <a:endParaRPr kumimoji="1" lang="ja-JP" altLang="en-US" sz="1000" dirty="0">
+              <a:solidFill>
+                <a:schemeClr val="bg1">
+                  <a:lumMod val="50000"/>
+                </a:schemeClr>
+              </a:solidFill>
+            </a:endParaRPr>
+          </a:p>
+        </p:txBody>
+      </p:sp>
+      <p:pic>
+        <p:nvPicPr>
+          <p:cNvPr id="83" name="図 82">
+            <a:extLst>
+              <a:ext uri="{FF2B5EF4-FFF2-40B4-BE49-F238E27FC236}">
+                <a16:creationId xmlns:a16="http://schemas.microsoft.com/office/drawing/2014/main" id="{FD4C9FD2-A362-243C-0167-FF1B3EDEBD57}"/>
+              </a:ext>
+            </a:extLst>
+          </p:cNvPr>
+          <p:cNvPicPr>
+            <a:picLocks noChangeAspect="1"/>
+          </p:cNvPicPr>
+          <p:nvPr/>
+        </p:nvPicPr>
+        <p:blipFill>
+          <a:blip r:embed="rId9"/>
+          <a:stretch>
+            <a:fillRect/>
+          </a:stretch>
+        </p:blipFill>
+        <p:spPr>
+          <a:xfrm>
+            <a:off x="3394760" y="3677897"/>
+            <a:ext cx="412521" cy="430360"/>
+          </a:xfrm>
+          <a:prstGeom prst="rect">
+            <a:avLst/>
+          </a:prstGeom>
+        </p:spPr>
+      </p:pic>
+      <p:sp>
+        <p:nvSpPr>
+          <p:cNvPr id="84" name="正方形/長方形 83">
+            <a:extLst>
+              <a:ext uri="{FF2B5EF4-FFF2-40B4-BE49-F238E27FC236}">
+                <a16:creationId xmlns:a16="http://schemas.microsoft.com/office/drawing/2014/main" id="{2B44DC19-7D2C-2ADB-A443-A1DD13F91BE5}"/>
+              </a:ext>
+            </a:extLst>
+          </p:cNvPr>
+          <p:cNvSpPr/>
+          <p:nvPr/>
+        </p:nvSpPr>
+        <p:spPr>
+          <a:xfrm>
+            <a:off x="3749358" y="3424007"/>
+            <a:ext cx="636605" cy="857816"/>
+          </a:xfrm>
+          <a:prstGeom prst="rect">
+            <a:avLst/>
+          </a:prstGeom>
+          <a:noFill/>
+          <a:ln w="25400">
+            <a:solidFill>
+              <a:schemeClr val="accent2"/>
+            </a:solidFill>
+            <a:prstDash val="sysDash"/>
+          </a:ln>
+        </p:spPr>
+        <p:style>
+          <a:lnRef idx="2">
+            <a:schemeClr val="accent1">
+              <a:shade val="15000"/>
+            </a:schemeClr>
+          </a:lnRef>
+          <a:fillRef idx="1">
+            <a:schemeClr val="accent1"/>
+          </a:fillRef>
+          <a:effectRef idx="0">
+            <a:schemeClr val="accent1"/>
+          </a:effectRef>
+          <a:fontRef idx="minor">
+            <a:schemeClr val="lt1"/>
+          </a:fontRef>
+        </p:style>
+        <p:txBody>
+          <a:bodyPr rtlCol="0" anchor="ctr"/>
+          <a:lstStyle/>
+          <a:p>
+            <a:pPr algn="ctr"/>
+            <a:endParaRPr kumimoji="1" lang="ja-JP" altLang="en-US"/>
+          </a:p>
+        </p:txBody>
+      </p:sp>
+      <p:cxnSp>
+        <p:nvCxnSpPr>
+          <p:cNvPr id="85" name="直線矢印コネクタ 84">
+            <a:extLst>
+              <a:ext uri="{FF2B5EF4-FFF2-40B4-BE49-F238E27FC236}">
+                <a16:creationId xmlns:a16="http://schemas.microsoft.com/office/drawing/2014/main" id="{CA0AF236-52C3-0E10-1DFE-8D7101BFDABD}"/>
+              </a:ext>
+            </a:extLst>
+          </p:cNvPr>
+          <p:cNvCxnSpPr>
+            <a:cxnSpLocks/>
+            <a:stCxn id="64" idx="2"/>
+            <a:endCxn id="79" idx="0"/>
+          </p:cNvCxnSpPr>
+          <p:nvPr/>
+        </p:nvCxnSpPr>
+        <p:spPr>
+          <a:xfrm>
+            <a:off x="4054580" y="3424007"/>
+            <a:ext cx="0" cy="263649"/>
+          </a:xfrm>
+          <a:prstGeom prst="straightConnector1">
+            <a:avLst/>
+          </a:prstGeom>
+          <a:ln w="15875">
+            <a:solidFill>
+              <a:schemeClr val="bg1">
+                <a:lumMod val="65000"/>
+              </a:schemeClr>
+            </a:solidFill>
+            <a:tailEnd type="triangle"/>
+          </a:ln>
+        </p:spPr>
+        <p:style>
+          <a:lnRef idx="3">
+            <a:schemeClr val="accent1"/>
+          </a:lnRef>
+          <a:fillRef idx="0">
+            <a:schemeClr val="accent1"/>
+          </a:fillRef>
+          <a:effectRef idx="2">
+            <a:schemeClr val="accent1"/>
+          </a:effectRef>
+          <a:fontRef idx="minor">
+            <a:schemeClr val="tx1"/>
+          </a:fontRef>
+        </p:style>
+      </p:cxnSp>
+      <p:sp>
+        <p:nvSpPr>
+          <p:cNvPr id="88" name="テキスト ボックス 87">
+            <a:extLst>
+              <a:ext uri="{FF2B5EF4-FFF2-40B4-BE49-F238E27FC236}">
+                <a16:creationId xmlns:a16="http://schemas.microsoft.com/office/drawing/2014/main" id="{E6E18EFE-9E42-E8A2-76D0-6C73C4997068}"/>
+              </a:ext>
+            </a:extLst>
+          </p:cNvPr>
+          <p:cNvSpPr txBox="1"/>
+          <p:nvPr/>
+        </p:nvSpPr>
+        <p:spPr>
+          <a:xfrm>
+            <a:off x="3581503" y="4273170"/>
+            <a:ext cx="1067921" cy="307777"/>
+          </a:xfrm>
+          <a:prstGeom prst="rect">
+            <a:avLst/>
+          </a:prstGeom>
+          <a:noFill/>
+        </p:spPr>
+        <p:txBody>
+          <a:bodyPr wrap="none" rtlCol="0">
+            <a:spAutoFit/>
+          </a:bodyPr>
+          <a:lstStyle/>
+          <a:p>
+            <a:r>
+              <a:rPr kumimoji="1" lang="ja-JP" altLang="en-US" sz="1400" b="1" dirty="0">
+                <a:solidFill>
+                  <a:schemeClr val="accent2"/>
+                </a:solidFill>
+                <a:latin typeface="Meiryo UI" panose="020B0604030504040204" pitchFamily="50" charset="-128"/>
+                <a:ea typeface="Meiryo UI" panose="020B0604030504040204" pitchFamily="50" charset="-128"/>
+              </a:rPr>
+              <a:t>本日の説明</a:t>
+            </a:r>
+          </a:p>
+        </p:txBody>
+      </p:sp>
+      <p:sp>
+        <p:nvSpPr>
+          <p:cNvPr id="89" name="テキスト ボックス 88">
+            <a:extLst>
+              <a:ext uri="{FF2B5EF4-FFF2-40B4-BE49-F238E27FC236}">
+                <a16:creationId xmlns:a16="http://schemas.microsoft.com/office/drawing/2014/main" id="{74C90DFB-0043-B535-FFE2-7B7F29ACCD76}"/>
+              </a:ext>
+            </a:extLst>
+          </p:cNvPr>
+          <p:cNvSpPr txBox="1"/>
+          <p:nvPr/>
+        </p:nvSpPr>
+        <p:spPr>
+          <a:xfrm>
+            <a:off x="1219406" y="1627364"/>
+            <a:ext cx="4724194" cy="400110"/>
+          </a:xfrm>
+          <a:prstGeom prst="rect">
+            <a:avLst/>
+          </a:prstGeom>
+          <a:solidFill>
+            <a:schemeClr val="bg1"/>
+          </a:solidFill>
+        </p:spPr>
+        <p:txBody>
+          <a:bodyPr wrap="square" rtlCol="0">
+            <a:spAutoFit/>
+          </a:bodyPr>
+          <a:lstStyle/>
+          <a:p>
+            <a:pPr algn="ctr"/>
+            <a:r>
+              <a:rPr lang="ja-JP" altLang="en-US" sz="2000" dirty="0">
+                <a:latin typeface="Meiryo UI" panose="020B0604030504040204" pitchFamily="50" charset="-128"/>
+                <a:ea typeface="Meiryo UI" panose="020B0604030504040204" pitchFamily="50" charset="-128"/>
+              </a:rPr>
+              <a:t>①</a:t>
+            </a:r>
+            <a:r>
+              <a:rPr lang="en-US" altLang="ja-JP" sz="2000" dirty="0">
+                <a:latin typeface="Meiryo UI" panose="020B0604030504040204" pitchFamily="50" charset="-128"/>
+                <a:ea typeface="Meiryo UI" panose="020B0604030504040204" pitchFamily="50" charset="-128"/>
+              </a:rPr>
+              <a:t>Figma</a:t>
+            </a:r>
+            <a:r>
+              <a:rPr lang="ja-JP" altLang="en-US" sz="2000" dirty="0">
+                <a:latin typeface="Meiryo UI" panose="020B0604030504040204" pitchFamily="50" charset="-128"/>
+                <a:ea typeface="Meiryo UI" panose="020B0604030504040204" pitchFamily="50" charset="-128"/>
+              </a:rPr>
+              <a:t>で静的</a:t>
+            </a:r>
+            <a:r>
+              <a:rPr lang="en-US" altLang="ja-JP" sz="2000" dirty="0">
+                <a:latin typeface="Meiryo UI" panose="020B0604030504040204" pitchFamily="50" charset="-128"/>
+                <a:ea typeface="Meiryo UI" panose="020B0604030504040204" pitchFamily="50" charset="-128"/>
+              </a:rPr>
+              <a:t>WEB</a:t>
+            </a:r>
+            <a:r>
+              <a:rPr lang="ja-JP" altLang="en-US" sz="2000" dirty="0">
+                <a:latin typeface="Meiryo UI" panose="020B0604030504040204" pitchFamily="50" charset="-128"/>
+                <a:ea typeface="Meiryo UI" panose="020B0604030504040204" pitchFamily="50" charset="-128"/>
+              </a:rPr>
+              <a:t>サイト作成の効率化</a:t>
+            </a:r>
+            <a:endParaRPr lang="en-US" altLang="ja-JP" sz="2000" dirty="0">
+              <a:latin typeface="Meiryo UI" panose="020B0604030504040204" pitchFamily="50" charset="-128"/>
+              <a:ea typeface="Meiryo UI" panose="020B0604030504040204" pitchFamily="50" charset="-128"/>
+            </a:endParaRPr>
+          </a:p>
+        </p:txBody>
+      </p:sp>
+      <p:sp>
+        <p:nvSpPr>
+          <p:cNvPr id="90" name="テキスト ボックス 89">
+            <a:extLst>
+              <a:ext uri="{FF2B5EF4-FFF2-40B4-BE49-F238E27FC236}">
+                <a16:creationId xmlns:a16="http://schemas.microsoft.com/office/drawing/2014/main" id="{D1E2D8EC-4BE6-961C-01F6-88B89F7D6B40}"/>
+              </a:ext>
+            </a:extLst>
+          </p:cNvPr>
+          <p:cNvSpPr txBox="1"/>
+          <p:nvPr/>
+        </p:nvSpPr>
+        <p:spPr>
+          <a:xfrm>
+            <a:off x="7300321" y="5775889"/>
+            <a:ext cx="3706757" cy="369332"/>
+          </a:xfrm>
+          <a:prstGeom prst="rect">
+            <a:avLst/>
+          </a:prstGeom>
+          <a:noFill/>
+        </p:spPr>
+        <p:txBody>
+          <a:bodyPr wrap="square" rtlCol="0">
+            <a:spAutoFit/>
+          </a:bodyPr>
+          <a:lstStyle/>
+          <a:p>
+            <a:r>
+              <a:rPr kumimoji="1" lang="ja-JP" altLang="en-US" dirty="0"/>
+              <a:t>基本はバックエンド処理が得意</a:t>
+            </a:r>
+            <a:endParaRPr kumimoji="1" lang="en-US" altLang="ja-JP" dirty="0"/>
+          </a:p>
+        </p:txBody>
+      </p:sp>
+      <p:sp>
+        <p:nvSpPr>
+          <p:cNvPr id="91" name="テキスト ボックス 90">
+            <a:extLst>
+              <a:ext uri="{FF2B5EF4-FFF2-40B4-BE49-F238E27FC236}">
+                <a16:creationId xmlns:a16="http://schemas.microsoft.com/office/drawing/2014/main" id="{CBC9BA2C-B333-E47E-0A77-930F912D33C9}"/>
+              </a:ext>
+            </a:extLst>
+          </p:cNvPr>
+          <p:cNvSpPr txBox="1"/>
+          <p:nvPr/>
+        </p:nvSpPr>
+        <p:spPr>
+          <a:xfrm>
+            <a:off x="1834237" y="5747474"/>
+            <a:ext cx="3706757" cy="369332"/>
+          </a:xfrm>
+          <a:prstGeom prst="rect">
+            <a:avLst/>
+          </a:prstGeom>
+          <a:noFill/>
+        </p:spPr>
+        <p:txBody>
+          <a:bodyPr wrap="square" rtlCol="0">
+            <a:spAutoFit/>
+          </a:bodyPr>
+          <a:lstStyle/>
+          <a:p>
+            <a:r>
+              <a:rPr kumimoji="1" lang="ja-JP" altLang="en-US" dirty="0"/>
+              <a:t>基本はフロントエンドが得意</a:t>
+            </a:r>
+            <a:endParaRPr kumimoji="1" lang="en-US" altLang="ja-JP" dirty="0"/>
+          </a:p>
+        </p:txBody>
+      </p:sp>
+      <p:sp>
+        <p:nvSpPr>
+          <p:cNvPr id="94" name="正方形/長方形 93">
+            <a:extLst>
+              <a:ext uri="{FF2B5EF4-FFF2-40B4-BE49-F238E27FC236}">
+                <a16:creationId xmlns:a16="http://schemas.microsoft.com/office/drawing/2014/main" id="{8EF6E79A-D4F9-A737-0962-28E566B60191}"/>
+              </a:ext>
+            </a:extLst>
+          </p:cNvPr>
+          <p:cNvSpPr/>
+          <p:nvPr/>
+        </p:nvSpPr>
+        <p:spPr>
+          <a:xfrm>
+            <a:off x="6420116" y="1807469"/>
+            <a:ext cx="5113099" cy="4643120"/>
+          </a:xfrm>
+          <a:prstGeom prst="rect">
+            <a:avLst/>
+          </a:prstGeom>
+          <a:noFill/>
+        </p:spPr>
+        <p:style>
+          <a:lnRef idx="2">
+            <a:schemeClr val="accent1">
+              <a:shade val="15000"/>
+            </a:schemeClr>
+          </a:lnRef>
+          <a:fillRef idx="1">
+            <a:schemeClr val="accent1"/>
+          </a:fillRef>
+          <a:effectRef idx="0">
+            <a:schemeClr val="accent1"/>
+          </a:effectRef>
+          <a:fontRef idx="minor">
+            <a:schemeClr val="lt1"/>
+          </a:fontRef>
+        </p:style>
+        <p:txBody>
+          <a:bodyPr rtlCol="0" anchor="ctr"/>
+          <a:lstStyle/>
+          <a:p>
+            <a:pPr algn="ctr"/>
+            <a:endParaRPr kumimoji="1" lang="ja-JP" altLang="en-US"/>
+          </a:p>
+        </p:txBody>
+      </p:sp>
+      <p:sp>
+        <p:nvSpPr>
+          <p:cNvPr id="92" name="テキスト ボックス 91">
+            <a:extLst>
+              <a:ext uri="{FF2B5EF4-FFF2-40B4-BE49-F238E27FC236}">
+                <a16:creationId xmlns:a16="http://schemas.microsoft.com/office/drawing/2014/main" id="{4065B38C-C7ED-7A69-6831-394D8AF2F373}"/>
+              </a:ext>
+            </a:extLst>
+          </p:cNvPr>
+          <p:cNvSpPr txBox="1"/>
+          <p:nvPr/>
+        </p:nvSpPr>
+        <p:spPr>
+          <a:xfrm>
+            <a:off x="7085404" y="1586902"/>
+            <a:ext cx="3677714" cy="400110"/>
+          </a:xfrm>
+          <a:prstGeom prst="rect">
+            <a:avLst/>
+          </a:prstGeom>
+          <a:solidFill>
+            <a:schemeClr val="bg1"/>
+          </a:solidFill>
+        </p:spPr>
+        <p:txBody>
+          <a:bodyPr wrap="square" rtlCol="0">
+            <a:spAutoFit/>
+          </a:bodyPr>
+          <a:lstStyle/>
+          <a:p>
+            <a:pPr algn="ctr"/>
+            <a:r>
+              <a:rPr lang="ja-JP" altLang="en-US" sz="2000" dirty="0">
+                <a:latin typeface="Meiryo UI" panose="020B0604030504040204" pitchFamily="50" charset="-128"/>
+                <a:ea typeface="Meiryo UI" panose="020B0604030504040204" pitchFamily="50" charset="-128"/>
+              </a:rPr>
+              <a:t>②</a:t>
+            </a:r>
+            <a:r>
+              <a:rPr lang="en-US" altLang="ja-JP" sz="2000" dirty="0">
+                <a:latin typeface="Meiryo UI" panose="020B0604030504040204" pitchFamily="50" charset="-128"/>
+                <a:ea typeface="Meiryo UI" panose="020B0604030504040204" pitchFamily="50" charset="-128"/>
+              </a:rPr>
+              <a:t>Cline</a:t>
+            </a:r>
+            <a:r>
+              <a:rPr lang="ja-JP" altLang="en-US" sz="2000" dirty="0">
+                <a:latin typeface="Meiryo UI" panose="020B0604030504040204" pitchFamily="50" charset="-128"/>
+                <a:ea typeface="Meiryo UI" panose="020B0604030504040204" pitchFamily="50" charset="-128"/>
+              </a:rPr>
+              <a:t>でツール開発の効率化</a:t>
+            </a:r>
+            <a:endParaRPr lang="en-US" altLang="ja-JP" sz="2000" dirty="0">
+              <a:latin typeface="Meiryo UI" panose="020B0604030504040204" pitchFamily="50" charset="-128"/>
+              <a:ea typeface="Meiryo UI" panose="020B0604030504040204" pitchFamily="50" charset="-128"/>
+            </a:endParaRPr>
+          </a:p>
+        </p:txBody>
+      </p:sp>
+      <p:sp>
+        <p:nvSpPr>
+          <p:cNvPr id="95" name="テキスト ボックス 94">
+            <a:extLst>
+              <a:ext uri="{FF2B5EF4-FFF2-40B4-BE49-F238E27FC236}">
+                <a16:creationId xmlns:a16="http://schemas.microsoft.com/office/drawing/2014/main" id="{C229F9F3-B4BE-A2C8-D386-1B588E3CF27B}"/>
+              </a:ext>
+            </a:extLst>
+          </p:cNvPr>
+          <p:cNvSpPr txBox="1"/>
+          <p:nvPr/>
+        </p:nvSpPr>
+        <p:spPr>
+          <a:xfrm>
+            <a:off x="9432591" y="2614753"/>
+            <a:ext cx="1376248" cy="646331"/>
+          </a:xfrm>
+          <a:prstGeom prst="rect">
+            <a:avLst/>
+          </a:prstGeom>
+          <a:noFill/>
+        </p:spPr>
+        <p:txBody>
+          <a:bodyPr wrap="square" rtlCol="0">
+            <a:spAutoFit/>
+          </a:bodyPr>
+          <a:lstStyle/>
+          <a:p>
+            <a:r>
+              <a:rPr lang="ja-JP" altLang="en-US" sz="1200" dirty="0"/>
+              <a:t>前回ハンズオンで説明済み</a:t>
+            </a:r>
+          </a:p>
+          <a:p>
+            <a:endParaRPr kumimoji="1" lang="en-US" altLang="ja-JP" sz="1200" dirty="0"/>
+          </a:p>
+        </p:txBody>
+      </p:sp>
+      <p:sp>
+        <p:nvSpPr>
+          <p:cNvPr id="96" name="テキスト ボックス 95">
+            <a:extLst>
+              <a:ext uri="{FF2B5EF4-FFF2-40B4-BE49-F238E27FC236}">
+                <a16:creationId xmlns:a16="http://schemas.microsoft.com/office/drawing/2014/main" id="{50728DD8-5E16-D05F-0238-3E4FAA720B10}"/>
+              </a:ext>
+            </a:extLst>
+          </p:cNvPr>
+          <p:cNvSpPr txBox="1"/>
+          <p:nvPr/>
+        </p:nvSpPr>
+        <p:spPr>
+          <a:xfrm>
+            <a:off x="1371805" y="176578"/>
+            <a:ext cx="4724194" cy="461665"/>
+          </a:xfrm>
+          <a:prstGeom prst="rect">
+            <a:avLst/>
+          </a:prstGeom>
+          <a:solidFill>
+            <a:schemeClr val="bg1"/>
+          </a:solidFill>
+        </p:spPr>
+        <p:txBody>
+          <a:bodyPr wrap="square" rtlCol="0">
+            <a:spAutoFit/>
+          </a:bodyPr>
+          <a:lstStyle/>
+          <a:p>
+            <a:r>
+              <a:rPr lang="en-US" altLang="ja-JP" sz="2400" dirty="0" err="1">
+                <a:latin typeface="Meiryo UI" panose="020B0604030504040204" pitchFamily="50" charset="-128"/>
+                <a:ea typeface="Meiryo UI" panose="020B0604030504040204" pitchFamily="50" charset="-128"/>
+              </a:rPr>
+              <a:t>Step1</a:t>
+            </a:r>
+            <a:r>
+              <a:rPr lang="en-US" altLang="ja-JP" sz="2400" dirty="0">
+                <a:latin typeface="Meiryo UI" panose="020B0604030504040204" pitchFamily="50" charset="-128"/>
+                <a:ea typeface="Meiryo UI" panose="020B0604030504040204" pitchFamily="50" charset="-128"/>
+              </a:rPr>
+              <a:t> : </a:t>
+            </a:r>
+            <a:r>
+              <a:rPr lang="ja-JP" altLang="en-US" sz="2400" dirty="0">
+                <a:latin typeface="Meiryo UI" panose="020B0604030504040204" pitchFamily="50" charset="-128"/>
+                <a:ea typeface="Meiryo UI" panose="020B0604030504040204" pitchFamily="50" charset="-128"/>
+              </a:rPr>
+              <a:t>個別効率化</a:t>
+            </a:r>
+            <a:endParaRPr lang="en-US" altLang="ja-JP" sz="2400" dirty="0">
+              <a:latin typeface="Meiryo UI" panose="020B0604030504040204" pitchFamily="50" charset="-128"/>
+              <a:ea typeface="Meiryo UI" panose="020B0604030504040204" pitchFamily="50" charset="-128"/>
+            </a:endParaRPr>
+          </a:p>
+        </p:txBody>
+      </p:sp>
+    </p:spTree>
+    <p:extLst>
+      <p:ext uri="{BB962C8B-B14F-4D97-AF65-F5344CB8AC3E}">
+        <p14:creationId xmlns:p14="http://schemas.microsoft.com/office/powerpoint/2010/main" val="3557597388"/>
+      </p:ext>
+    </p:extLst>
+  </p:cSld>
+  <p:clrMapOvr>
+    <a:masterClrMapping/>
+  </p:clrMapOvr>
+</p:sld>
+</file>
+
+<file path=ppt/slides/slide2.xml><?xml version="1.0" encoding="utf-8"?>
+<p:sld xmlns:a="http://schemas.openxmlformats.org/drawingml/2006/main" xmlns:r="http://schemas.openxmlformats.org/officeDocument/2006/relationships" xmlns:p="http://schemas.openxmlformats.org/presentationml/2006/main">
+  <p:cSld>
+    <p:spTree>
+      <p:nvGrpSpPr>
         <p:cNvPr id="1" name="">
           <a:extLst>
             <a:ext uri="{FF2B5EF4-FFF2-40B4-BE49-F238E27FC236}">
@@ -4243,7 +5416,7 @@
         </p:blipFill>
         <p:spPr>
           <a:xfrm>
-            <a:off x="2840537" y="3635392"/>
+            <a:off x="2591617" y="3635392"/>
             <a:ext cx="406866" cy="378881"/>
           </a:xfrm>
           <a:prstGeom prst="rect">
@@ -4295,8 +5468,8 @@
         </p:nvSpPr>
         <p:spPr>
           <a:xfrm>
-            <a:off x="818086" y="1239925"/>
-            <a:ext cx="7615306" cy="707886"/>
+            <a:off x="915379" y="974143"/>
+            <a:ext cx="7392259" cy="707886"/>
           </a:xfrm>
           <a:prstGeom prst="rect">
             <a:avLst/>
@@ -4314,35 +5487,7 @@
                 <a:latin typeface="Meiryo UI" panose="020B0604030504040204" pitchFamily="50" charset="-128"/>
                 <a:ea typeface="Meiryo UI" panose="020B0604030504040204" pitchFamily="50" charset="-128"/>
               </a:rPr>
-              <a:t>①フロントエンドは</a:t>
-            </a:r>
-            <a:r>
-              <a:rPr lang="en-US" altLang="ja-JP" sz="2000" dirty="0">
-                <a:latin typeface="Meiryo UI" panose="020B0604030504040204" pitchFamily="50" charset="-128"/>
-                <a:ea typeface="Meiryo UI" panose="020B0604030504040204" pitchFamily="50" charset="-128"/>
-              </a:rPr>
-              <a:t>Figma</a:t>
-            </a:r>
-            <a:r>
-              <a:rPr lang="ja-JP" altLang="en-US" sz="2000" dirty="0">
-                <a:latin typeface="Meiryo UI" panose="020B0604030504040204" pitchFamily="50" charset="-128"/>
-                <a:ea typeface="Meiryo UI" panose="020B0604030504040204" pitchFamily="50" charset="-128"/>
-              </a:rPr>
-              <a:t>、バックエンドは</a:t>
-            </a:r>
-            <a:r>
-              <a:rPr lang="en-US" altLang="ja-JP" sz="2000" dirty="0">
-                <a:latin typeface="Meiryo UI" panose="020B0604030504040204" pitchFamily="50" charset="-128"/>
-                <a:ea typeface="Meiryo UI" panose="020B0604030504040204" pitchFamily="50" charset="-128"/>
-              </a:rPr>
-              <a:t>Cline</a:t>
-            </a:r>
-            <a:r>
-              <a:rPr lang="ja-JP" altLang="en-US" sz="2000" dirty="0">
-                <a:latin typeface="Meiryo UI" panose="020B0604030504040204" pitchFamily="50" charset="-128"/>
-                <a:ea typeface="Meiryo UI" panose="020B0604030504040204" pitchFamily="50" charset="-128"/>
-              </a:rPr>
-              <a:t>で開発効率化</a:t>
+              <a:t>①フロントエンド → バックエンド の連携</a:t>
             </a:r>
             <a:endParaRPr lang="en-US" altLang="ja-JP" sz="2000" dirty="0">
               <a:latin typeface="Meiryo UI" panose="020B0604030504040204" pitchFamily="50" charset="-128"/>
@@ -4369,21 +5514,7 @@
                 <a:latin typeface="Meiryo UI" panose="020B0604030504040204" pitchFamily="50" charset="-128"/>
                 <a:ea typeface="Meiryo UI" panose="020B0604030504040204" pitchFamily="50" charset="-128"/>
               </a:rPr>
-              <a:t>が必要な場合は</a:t>
-            </a:r>
-            <a:r>
-              <a:rPr lang="en-US" altLang="ja-JP" sz="2000" dirty="0">
-                <a:latin typeface="Meiryo UI" panose="020B0604030504040204" pitchFamily="50" charset="-128"/>
-                <a:ea typeface="Meiryo UI" panose="020B0604030504040204" pitchFamily="50" charset="-128"/>
-              </a:rPr>
-              <a:t>AWS</a:t>
-            </a:r>
-            <a:r>
-              <a:rPr lang="ja-JP" altLang="en-US" sz="2000" dirty="0">
-                <a:latin typeface="Meiryo UI" panose="020B0604030504040204" pitchFamily="50" charset="-128"/>
-                <a:ea typeface="Meiryo UI" panose="020B0604030504040204" pitchFamily="50" charset="-128"/>
-              </a:rPr>
-              <a:t>へ接続</a:t>
+              <a:t>との連携</a:t>
             </a:r>
             <a:endParaRPr lang="en-US" altLang="ja-JP" sz="2000" dirty="0">
               <a:latin typeface="Meiryo UI" panose="020B0604030504040204" pitchFamily="50" charset="-128"/>
@@ -4407,7 +5538,7 @@
         <p:spPr>
           <a:xfrm>
             <a:off x="1371918" y="91763"/>
-            <a:ext cx="4631396" cy="461665"/>
+            <a:ext cx="3515706" cy="461665"/>
           </a:xfrm>
           <a:prstGeom prst="rect">
             <a:avLst/>
@@ -4421,34 +5552,20 @@
           <a:lstStyle/>
           <a:p>
             <a:r>
-              <a:rPr kumimoji="1" lang="ja-JP" altLang="en-US" sz="2400" dirty="0">
+              <a:rPr lang="en-US" altLang="ja-JP" sz="2400" dirty="0">
                 <a:latin typeface="Meiryo UI" panose="020B0604030504040204" pitchFamily="50" charset="-128"/>
                 <a:ea typeface="Meiryo UI" panose="020B0604030504040204" pitchFamily="50" charset="-128"/>
               </a:rPr>
-              <a:t>ローカルサーバ </a:t>
-            </a:r>
-            <a:r>
-              <a:rPr kumimoji="1" lang="en-US" altLang="ja-JP" sz="2400" dirty="0">
+              <a:t>Step2 : </a:t>
+            </a:r>
+            <a:r>
+              <a:rPr lang="ja-JP" altLang="en-US" sz="2400" dirty="0">
                 <a:latin typeface="Meiryo UI" panose="020B0604030504040204" pitchFamily="50" charset="-128"/>
                 <a:ea typeface="Meiryo UI" panose="020B0604030504040204" pitchFamily="50" charset="-128"/>
               </a:rPr>
-              <a:t>WEB</a:t>
-            </a:r>
-            <a:r>
-              <a:rPr kumimoji="1" lang="ja-JP" altLang="en-US" sz="2400" dirty="0">
-                <a:latin typeface="Meiryo UI" panose="020B0604030504040204" pitchFamily="50" charset="-128"/>
-                <a:ea typeface="Meiryo UI" panose="020B0604030504040204" pitchFamily="50" charset="-128"/>
-              </a:rPr>
-              <a:t>システム  ＋ </a:t>
-            </a:r>
-            <a:r>
-              <a:rPr kumimoji="1" lang="en-US" altLang="ja-JP" sz="2400" dirty="0">
-                <a:latin typeface="Meiryo UI" panose="020B0604030504040204" pitchFamily="50" charset="-128"/>
-                <a:ea typeface="Meiryo UI" panose="020B0604030504040204" pitchFamily="50" charset="-128"/>
-              </a:rPr>
-              <a:t>AI</a:t>
-            </a:r>
-            <a:endParaRPr kumimoji="1" lang="ja-JP" altLang="en-US" sz="2400" dirty="0">
+              <a:t>連携しシステム化</a:t>
+            </a:r>
+            <a:endParaRPr lang="en-US" altLang="ja-JP" sz="2400" dirty="0">
               <a:latin typeface="Meiryo UI" panose="020B0604030504040204" pitchFamily="50" charset="-128"/>
               <a:ea typeface="Meiryo UI" panose="020B0604030504040204" pitchFamily="50" charset="-128"/>
             </a:endParaRPr>
@@ -4596,12 +5713,17 @@
         <p:spPr>
           <a:xfrm flipV="1">
             <a:off x="1805467" y="3840813"/>
-            <a:ext cx="578683" cy="3900"/>
+            <a:ext cx="329763" cy="3900"/>
           </a:xfrm>
           <a:prstGeom prst="straightConnector1">
             <a:avLst/>
           </a:prstGeom>
-          <a:ln w="31750">
+          <a:ln w="9525">
+            <a:solidFill>
+              <a:schemeClr val="bg1">
+                <a:lumMod val="65000"/>
+              </a:schemeClr>
+            </a:solidFill>
             <a:tailEnd type="triangle"/>
           </a:ln>
         </p:spPr>
@@ -4690,7 +5812,7 @@
         </p:blipFill>
         <p:spPr>
           <a:xfrm>
-            <a:off x="3283912" y="5028791"/>
+            <a:off x="3481481" y="5028791"/>
             <a:ext cx="516473" cy="509647"/>
           </a:xfrm>
           <a:prstGeom prst="rect">
@@ -4712,7 +5834,7 @@
         </p:nvSpPr>
         <p:spPr>
           <a:xfrm>
-            <a:off x="2801758" y="3983339"/>
+            <a:off x="2552838" y="3983339"/>
             <a:ext cx="526106" cy="246221"/>
           </a:xfrm>
           <a:prstGeom prst="rect">
@@ -4764,13 +5886,16 @@
         </p:nvCxnSpPr>
         <p:spPr>
           <a:xfrm>
-            <a:off x="3247403" y="3824833"/>
-            <a:ext cx="333797" cy="978"/>
+            <a:off x="2998483" y="3824833"/>
+            <a:ext cx="582717" cy="978"/>
           </a:xfrm>
           <a:prstGeom prst="straightConnector1">
             <a:avLst/>
           </a:prstGeom>
-          <a:ln w="31750">
+          <a:ln w="66675">
+            <a:solidFill>
+              <a:schemeClr val="accent2"/>
+            </a:solidFill>
             <a:tailEnd type="triangle"/>
           </a:ln>
         </p:spPr>
@@ -4813,7 +5938,10 @@
           <a:prstGeom prst="straightConnector1">
             <a:avLst/>
           </a:prstGeom>
-          <a:ln w="31750">
+          <a:ln w="66675">
+            <a:solidFill>
+              <a:schemeClr val="accent2"/>
+            </a:solidFill>
             <a:tailEnd type="triangle"/>
           </a:ln>
         </p:spPr>
@@ -4856,7 +5984,12 @@
           <a:prstGeom prst="straightConnector1">
             <a:avLst/>
           </a:prstGeom>
-          <a:ln w="31750">
+          <a:ln w="9525">
+            <a:solidFill>
+              <a:schemeClr val="bg1">
+                <a:lumMod val="65000"/>
+              </a:schemeClr>
+            </a:solidFill>
             <a:tailEnd type="triangle"/>
           </a:ln>
         </p:spPr>
@@ -4893,13 +6026,18 @@
         </p:nvCxnSpPr>
         <p:spPr>
           <a:xfrm flipH="1">
-            <a:off x="3542149" y="4035949"/>
-            <a:ext cx="741250" cy="992842"/>
+            <a:off x="3739718" y="4035949"/>
+            <a:ext cx="543681" cy="992842"/>
           </a:xfrm>
           <a:prstGeom prst="straightConnector1">
             <a:avLst/>
           </a:prstGeom>
-          <a:ln w="31750">
+          <a:ln w="9525">
+            <a:solidFill>
+              <a:schemeClr val="bg1">
+                <a:lumMod val="65000"/>
+              </a:schemeClr>
+            </a:solidFill>
             <a:tailEnd type="triangle"/>
           </a:ln>
         </p:spPr>
@@ -4940,7 +6078,7 @@
         </p:blipFill>
         <p:spPr>
           <a:xfrm>
-            <a:off x="2384150" y="3625633"/>
+            <a:off x="2135230" y="3625633"/>
             <a:ext cx="412521" cy="430360"/>
           </a:xfrm>
           <a:prstGeom prst="rect">
@@ -4998,7 +6136,7 @@
         </p:nvSpPr>
         <p:spPr>
           <a:xfrm>
-            <a:off x="2424103" y="3999246"/>
+            <a:off x="2175183" y="3999246"/>
             <a:ext cx="338554" cy="246221"/>
           </a:xfrm>
           <a:prstGeom prst="rect">
@@ -5092,7 +6230,7 @@
           <a:prstGeom prst="straightConnector1">
             <a:avLst/>
           </a:prstGeom>
-          <a:ln w="31750">
+          <a:ln w="60325">
             <a:tailEnd type="triangle"/>
           </a:ln>
         </p:spPr>
@@ -5833,7 +6971,7 @@
           <a:prstGeom prst="straightConnector1">
             <a:avLst/>
           </a:prstGeom>
-          <a:ln w="31750">
+          <a:ln w="60325">
             <a:tailEnd type="triangle"/>
           </a:ln>
         </p:spPr>
@@ -5912,7 +7050,7 @@
           <a:prstGeom prst="straightConnector1">
             <a:avLst/>
           </a:prstGeom>
-          <a:ln w="31750">
+          <a:ln w="60325">
             <a:tailEnd type="triangle"/>
           </a:ln>
         </p:spPr>
@@ -6052,69 +7190,6 @@
           </a:prstGeom>
         </p:spPr>
       </p:pic>
-      <p:sp>
-        <p:nvSpPr>
-          <p:cNvPr id="250" name="テキスト ボックス 249">
-            <a:extLst>
-              <a:ext uri="{FF2B5EF4-FFF2-40B4-BE49-F238E27FC236}">
-                <a16:creationId xmlns:a16="http://schemas.microsoft.com/office/drawing/2014/main" id="{0F08D43B-5CD9-65FB-775D-3BA2EC953D1C}"/>
-              </a:ext>
-            </a:extLst>
-          </p:cNvPr>
-          <p:cNvSpPr txBox="1"/>
-          <p:nvPr/>
-        </p:nvSpPr>
-        <p:spPr>
-          <a:xfrm>
-            <a:off x="5066872" y="3618607"/>
-            <a:ext cx="1151277" cy="276999"/>
-          </a:xfrm>
-          <a:prstGeom prst="rect">
-            <a:avLst/>
-          </a:prstGeom>
-          <a:noFill/>
-        </p:spPr>
-        <p:txBody>
-          <a:bodyPr wrap="none" rtlCol="0">
-            <a:spAutoFit/>
-          </a:bodyPr>
-          <a:lstStyle/>
-          <a:p>
-            <a:r>
-              <a:rPr kumimoji="1" lang="en-US" altLang="ja-JP" sz="1200" dirty="0">
-                <a:ln w="0"/>
-                <a:solidFill>
-                  <a:schemeClr val="accent1"/>
-                </a:solidFill>
-                <a:effectLst>
-                  <a:outerShdw blurRad="38100" dist="25400" dir="5400000" algn="ctr" rotWithShape="0">
-                    <a:srgbClr val="6E747A">
-                      <a:alpha val="43000"/>
-                    </a:srgbClr>
-                  </a:outerShdw>
-                </a:effectLst>
-              </a:rPr>
-              <a:t>HTTPS</a:t>
-            </a:r>
-            <a:r>
-              <a:rPr kumimoji="1" lang="ja-JP" altLang="en-US" sz="1200" dirty="0">
-                <a:ln w="0"/>
-                <a:solidFill>
-                  <a:schemeClr val="accent1"/>
-                </a:solidFill>
-                <a:effectLst>
-                  <a:outerShdw blurRad="38100" dist="25400" dir="5400000" algn="ctr" rotWithShape="0">
-                    <a:srgbClr val="6E747A">
-                      <a:alpha val="43000"/>
-                    </a:srgbClr>
-                  </a:outerShdw>
-                </a:effectLst>
-              </a:rPr>
-              <a:t>暗号化</a:t>
-            </a:r>
-          </a:p>
-        </p:txBody>
-      </p:sp>
       <p:pic>
         <p:nvPicPr>
           <p:cNvPr id="258" name="図 257">
@@ -6137,7 +7212,7 @@
         </p:blipFill>
         <p:spPr>
           <a:xfrm>
-            <a:off x="2906963" y="2962599"/>
+            <a:off x="2658043" y="2962599"/>
             <a:ext cx="274014" cy="409144"/>
           </a:xfrm>
           <a:prstGeom prst="rect">
@@ -6289,7 +7364,7 @@
         </p:nvCxnSpPr>
         <p:spPr>
           <a:xfrm>
-            <a:off x="3043970" y="3371743"/>
+            <a:off x="2795050" y="3371743"/>
             <a:ext cx="0" cy="263649"/>
           </a:xfrm>
           <a:prstGeom prst="straightConnector1">
@@ -6468,10 +7543,56 @@
       </p:sp>
       <p:sp>
         <p:nvSpPr>
-          <p:cNvPr id="283" name="吹き出し: 四角形 282">
-            <a:extLst>
-              <a:ext uri="{FF2B5EF4-FFF2-40B4-BE49-F238E27FC236}">
-                <a16:creationId xmlns:a16="http://schemas.microsoft.com/office/drawing/2014/main" id="{4837FE34-9D90-44AE-94E3-6F573E91B70D}"/>
+          <p:cNvPr id="286" name="テキスト ボックス 285">
+            <a:extLst>
+              <a:ext uri="{FF2B5EF4-FFF2-40B4-BE49-F238E27FC236}">
+                <a16:creationId xmlns:a16="http://schemas.microsoft.com/office/drawing/2014/main" id="{4F615EBA-2D82-FBB2-9CDC-207B5B044473}"/>
+              </a:ext>
+            </a:extLst>
+          </p:cNvPr>
+          <p:cNvSpPr txBox="1"/>
+          <p:nvPr/>
+        </p:nvSpPr>
+        <p:spPr>
+          <a:xfrm>
+            <a:off x="11155555" y="137929"/>
+            <a:ext cx="745717" cy="369332"/>
+          </a:xfrm>
+          <a:prstGeom prst="rect">
+            <a:avLst/>
+          </a:prstGeom>
+          <a:solidFill>
+            <a:schemeClr val="accent1">
+              <a:lumMod val="60000"/>
+              <a:lumOff val="40000"/>
+            </a:schemeClr>
+          </a:solidFill>
+        </p:spPr>
+        <p:txBody>
+          <a:bodyPr wrap="none" rtlCol="0">
+            <a:spAutoFit/>
+          </a:bodyPr>
+          <a:lstStyle/>
+          <a:p>
+            <a:r>
+              <a:rPr kumimoji="1" lang="en-US" altLang="ja-JP" dirty="0">
+                <a:solidFill>
+                  <a:schemeClr val="bg1"/>
+                </a:solidFill>
+                <a:latin typeface="Microsoft YaHei UI Light" panose="020B0502040204020203" pitchFamily="34" charset="-122"/>
+                <a:ea typeface="Microsoft YaHei UI Light" panose="020B0502040204020203" pitchFamily="34" charset="-122"/>
+              </a:rPr>
+              <a:t>S S N</a:t>
+            </a:r>
+          </a:p>
+        </p:txBody>
+      </p:sp>
+      <p:sp>
+        <p:nvSpPr>
+          <p:cNvPr id="4" name="吹き出し: 四角形 3">
+            <a:extLst>
+              <a:ext uri="{FF2B5EF4-FFF2-40B4-BE49-F238E27FC236}">
+                <a16:creationId xmlns:a16="http://schemas.microsoft.com/office/drawing/2014/main" id="{0589F3F9-FC23-DF32-1D18-C38731F0C0F6}"/>
               </a:ext>
             </a:extLst>
           </p:cNvPr>
@@ -6480,13 +7601,13 @@
         </p:nvSpPr>
         <p:spPr>
           <a:xfrm>
-            <a:off x="2059580" y="2562507"/>
-            <a:ext cx="1160391" cy="269397"/>
+            <a:off x="4834129" y="3377730"/>
+            <a:ext cx="1055982" cy="269397"/>
           </a:xfrm>
           <a:prstGeom prst="wedgeRectCallout">
             <a:avLst>
-              <a:gd name="adj1" fmla="val 32131"/>
-              <a:gd name="adj2" fmla="val 100845"/>
+              <a:gd name="adj1" fmla="val -30868"/>
+              <a:gd name="adj2" fmla="val 121744"/>
             </a:avLst>
           </a:prstGeom>
           <a:solidFill>
@@ -6518,7 +7639,7 @@
           <a:p>
             <a:pPr algn="ctr"/>
             <a:r>
-              <a:rPr kumimoji="1" lang="ja-JP" altLang="en-US" sz="1400" dirty="0">
+              <a:rPr lang="ja-JP" altLang="en-US" sz="1400" dirty="0">
                 <a:ln w="0"/>
                 <a:solidFill>
                   <a:schemeClr val="accent2"/>
@@ -6533,256 +7654,10 @@
                 <a:latin typeface="Meiryo UI" panose="020B0604030504040204" pitchFamily="50" charset="-128"/>
                 <a:ea typeface="Meiryo UI" panose="020B0604030504040204" pitchFamily="50" charset="-128"/>
               </a:rPr>
-              <a:t>開発効率化</a:t>
-            </a:r>
-            <a:endParaRPr kumimoji="1" lang="ja-JP" altLang="en-US" sz="2000" dirty="0">
-              <a:solidFill>
-                <a:schemeClr val="accent2"/>
-              </a:solidFill>
-              <a:latin typeface="Meiryo UI" panose="020B0604030504040204" pitchFamily="50" charset="-128"/>
-              <a:ea typeface="Meiryo UI" panose="020B0604030504040204" pitchFamily="50" charset="-128"/>
-            </a:endParaRPr>
-          </a:p>
-        </p:txBody>
-      </p:sp>
-      <p:sp>
-        <p:nvSpPr>
-          <p:cNvPr id="284" name="正方形/長方形 283">
-            <a:extLst>
-              <a:ext uri="{FF2B5EF4-FFF2-40B4-BE49-F238E27FC236}">
-                <a16:creationId xmlns:a16="http://schemas.microsoft.com/office/drawing/2014/main" id="{8D9F8B6F-37D2-3453-6FCA-13049FE457A4}"/>
-              </a:ext>
-            </a:extLst>
-          </p:cNvPr>
-          <p:cNvSpPr/>
-          <p:nvPr/>
-        </p:nvSpPr>
-        <p:spPr>
-          <a:xfrm>
-            <a:off x="2830969" y="3376920"/>
-            <a:ext cx="496490" cy="892322"/>
-          </a:xfrm>
-          <a:prstGeom prst="rect">
-            <a:avLst/>
-          </a:prstGeom>
-          <a:noFill/>
-          <a:ln w="25400">
-            <a:solidFill>
-              <a:schemeClr val="accent2"/>
-            </a:solidFill>
-            <a:prstDash val="sysDash"/>
-          </a:ln>
-        </p:spPr>
-        <p:style>
-          <a:lnRef idx="2">
-            <a:schemeClr val="accent1">
-              <a:shade val="15000"/>
-            </a:schemeClr>
-          </a:lnRef>
-          <a:fillRef idx="1">
-            <a:schemeClr val="accent1"/>
-          </a:fillRef>
-          <a:effectRef idx="0">
-            <a:schemeClr val="accent1"/>
-          </a:effectRef>
-          <a:fontRef idx="minor">
-            <a:schemeClr val="lt1"/>
-          </a:fontRef>
-        </p:style>
-        <p:txBody>
-          <a:bodyPr rtlCol="0" anchor="ctr"/>
-          <a:lstStyle/>
-          <a:p>
-            <a:pPr algn="ctr"/>
-            <a:endParaRPr kumimoji="1" lang="ja-JP" altLang="en-US"/>
-          </a:p>
-        </p:txBody>
-      </p:sp>
-      <p:sp>
-        <p:nvSpPr>
-          <p:cNvPr id="286" name="テキスト ボックス 285">
-            <a:extLst>
-              <a:ext uri="{FF2B5EF4-FFF2-40B4-BE49-F238E27FC236}">
-                <a16:creationId xmlns:a16="http://schemas.microsoft.com/office/drawing/2014/main" id="{4F615EBA-2D82-FBB2-9CDC-207B5B044473}"/>
-              </a:ext>
-            </a:extLst>
-          </p:cNvPr>
-          <p:cNvSpPr txBox="1"/>
-          <p:nvPr/>
-        </p:nvSpPr>
-        <p:spPr>
-          <a:xfrm>
-            <a:off x="11155555" y="137929"/>
-            <a:ext cx="745717" cy="369332"/>
-          </a:xfrm>
-          <a:prstGeom prst="rect">
-            <a:avLst/>
-          </a:prstGeom>
-          <a:solidFill>
-            <a:schemeClr val="accent1">
-              <a:lumMod val="60000"/>
-              <a:lumOff val="40000"/>
-            </a:schemeClr>
-          </a:solidFill>
-        </p:spPr>
-        <p:txBody>
-          <a:bodyPr wrap="none" rtlCol="0">
-            <a:spAutoFit/>
-          </a:bodyPr>
-          <a:lstStyle/>
-          <a:p>
-            <a:r>
-              <a:rPr kumimoji="1" lang="en-US" altLang="ja-JP" dirty="0">
-                <a:solidFill>
-                  <a:schemeClr val="bg1"/>
-                </a:solidFill>
-                <a:latin typeface="Microsoft YaHei UI Light" panose="020B0502040204020203" pitchFamily="34" charset="-122"/>
-                <a:ea typeface="Microsoft YaHei UI Light" panose="020B0502040204020203" pitchFamily="34" charset="-122"/>
-              </a:rPr>
-              <a:t>S S N</a:t>
-            </a:r>
-            <a:endParaRPr kumimoji="1" lang="ja-JP" altLang="en-US" dirty="0">
-              <a:solidFill>
-                <a:schemeClr val="bg1"/>
-              </a:solidFill>
-              <a:latin typeface="Microsoft YaHei UI Light" panose="020B0502040204020203" pitchFamily="34" charset="-122"/>
-              <a:ea typeface="Microsoft YaHei UI Light" panose="020B0502040204020203" pitchFamily="34" charset="-122"/>
-            </a:endParaRPr>
-          </a:p>
-        </p:txBody>
-      </p:sp>
-      <p:sp>
-        <p:nvSpPr>
-          <p:cNvPr id="3" name="吹き出し: 四角形 2">
-            <a:extLst>
-              <a:ext uri="{FF2B5EF4-FFF2-40B4-BE49-F238E27FC236}">
-                <a16:creationId xmlns:a16="http://schemas.microsoft.com/office/drawing/2014/main" id="{25DF7612-20E8-0D43-06A2-9CBCF3A68D99}"/>
-              </a:ext>
-            </a:extLst>
-          </p:cNvPr>
-          <p:cNvSpPr/>
-          <p:nvPr/>
-        </p:nvSpPr>
-        <p:spPr>
-          <a:xfrm>
-            <a:off x="3433069" y="2575220"/>
-            <a:ext cx="1160391" cy="269397"/>
-          </a:xfrm>
-          <a:prstGeom prst="wedgeRectCallout">
-            <a:avLst>
-              <a:gd name="adj1" fmla="val 683"/>
-              <a:gd name="adj2" fmla="val 113301"/>
-            </a:avLst>
-          </a:prstGeom>
-          <a:solidFill>
-            <a:schemeClr val="bg1"/>
-          </a:solidFill>
-          <a:ln w="25400">
-            <a:solidFill>
-              <a:schemeClr val="accent2"/>
-            </a:solidFill>
-          </a:ln>
-        </p:spPr>
-        <p:style>
-          <a:lnRef idx="1">
-            <a:schemeClr val="accent4"/>
-          </a:lnRef>
-          <a:fillRef idx="2">
-            <a:schemeClr val="accent4"/>
-          </a:fillRef>
-          <a:effectRef idx="1">
-            <a:schemeClr val="accent4"/>
-          </a:effectRef>
-          <a:fontRef idx="minor">
-            <a:schemeClr val="dk1"/>
-          </a:fontRef>
-        </p:style>
-        <p:txBody>
-          <a:bodyPr rtlCol="0" anchor="ctr"/>
-          <a:lstStyle/>
-          <a:p>
-            <a:pPr algn="ctr"/>
-            <a:r>
-              <a:rPr kumimoji="1" lang="ja-JP" altLang="en-US" sz="1400" dirty="0">
-                <a:ln w="0"/>
-                <a:solidFill>
-                  <a:schemeClr val="accent2"/>
-                </a:solidFill>
-                <a:effectLst>
-                  <a:outerShdw blurRad="38100" dist="25400" dir="5400000" algn="ctr" rotWithShape="0">
-                    <a:srgbClr val="6E747A">
-                      <a:alpha val="43000"/>
-                    </a:srgbClr>
-                  </a:outerShdw>
-                </a:effectLst>
-                <a:latin typeface="Meiryo UI" panose="020B0604030504040204" pitchFamily="50" charset="-128"/>
-                <a:ea typeface="Meiryo UI" panose="020B0604030504040204" pitchFamily="50" charset="-128"/>
-              </a:rPr>
-              <a:t>開発効率化</a:t>
-            </a:r>
-            <a:endParaRPr kumimoji="1" lang="ja-JP" altLang="en-US" sz="2000" dirty="0">
-              <a:solidFill>
-                <a:schemeClr val="accent2"/>
-              </a:solidFill>
-              <a:latin typeface="Meiryo UI" panose="020B0604030504040204" pitchFamily="50" charset="-128"/>
-              <a:ea typeface="Meiryo UI" panose="020B0604030504040204" pitchFamily="50" charset="-128"/>
-            </a:endParaRPr>
-          </a:p>
-        </p:txBody>
-      </p:sp>
-      <p:sp>
-        <p:nvSpPr>
-          <p:cNvPr id="4" name="吹き出し: 四角形 3">
-            <a:extLst>
-              <a:ext uri="{FF2B5EF4-FFF2-40B4-BE49-F238E27FC236}">
-                <a16:creationId xmlns:a16="http://schemas.microsoft.com/office/drawing/2014/main" id="{0589F3F9-FC23-DF32-1D18-C38731F0C0F6}"/>
-              </a:ext>
-            </a:extLst>
-          </p:cNvPr>
-          <p:cNvSpPr/>
-          <p:nvPr/>
-        </p:nvSpPr>
-        <p:spPr>
-          <a:xfrm>
-            <a:off x="9999159" y="3184560"/>
-            <a:ext cx="564930" cy="269397"/>
-          </a:xfrm>
-          <a:prstGeom prst="wedgeRectCallout">
-            <a:avLst>
-              <a:gd name="adj1" fmla="val -17879"/>
-              <a:gd name="adj2" fmla="val 117972"/>
-            </a:avLst>
-          </a:prstGeom>
-          <a:solidFill>
-            <a:schemeClr val="bg1"/>
-          </a:solidFill>
-          <a:ln w="25400">
-            <a:solidFill>
-              <a:schemeClr val="accent2"/>
-            </a:solidFill>
-          </a:ln>
-        </p:spPr>
-        <p:style>
-          <a:lnRef idx="1">
-            <a:schemeClr val="accent4"/>
-          </a:lnRef>
-          <a:fillRef idx="2">
-            <a:schemeClr val="accent4"/>
-          </a:fillRef>
-          <a:effectRef idx="1">
-            <a:schemeClr val="accent4"/>
-          </a:effectRef>
-          <a:fontRef idx="minor">
-            <a:schemeClr val="dk1"/>
-          </a:fontRef>
-        </p:style>
-        <p:txBody>
-          <a:bodyPr rtlCol="0" anchor="ctr"/>
-          <a:lstStyle/>
-          <a:p>
-            <a:pPr algn="ctr"/>
-            <a:r>
-              <a:rPr kumimoji="1" lang="en-US" altLang="ja-JP" sz="1400" dirty="0">
+              <a:t>②</a:t>
+            </a:r>
+            <a:r>
+              <a:rPr lang="en-US" altLang="ja-JP" sz="1400" dirty="0">
                 <a:ln w="0"/>
                 <a:solidFill>
                   <a:schemeClr val="accent2"/>
@@ -6799,6 +7674,24 @@
               </a:rPr>
               <a:t>AI</a:t>
             </a:r>
+            <a:r>
+              <a:rPr lang="ja-JP" altLang="en-US" sz="1400" dirty="0">
+                <a:ln w="0"/>
+                <a:solidFill>
+                  <a:schemeClr val="accent2"/>
+                </a:solidFill>
+                <a:effectLst>
+                  <a:outerShdw blurRad="38100" dist="25400" dir="5400000" algn="ctr" rotWithShape="0">
+                    <a:srgbClr val="6E747A">
+                      <a:alpha val="43000"/>
+                    </a:srgbClr>
+                  </a:outerShdw>
+                </a:effectLst>
+                <a:latin typeface="Meiryo UI" panose="020B0604030504040204" pitchFamily="50" charset="-128"/>
+                <a:ea typeface="Meiryo UI" panose="020B0604030504040204" pitchFamily="50" charset="-128"/>
+              </a:rPr>
+              <a:t>連携</a:t>
+            </a:r>
             <a:endParaRPr kumimoji="1" lang="ja-JP" altLang="en-US" sz="2000" dirty="0">
               <a:solidFill>
                 <a:schemeClr val="accent2"/>
@@ -6811,10 +7704,10 @@
       </p:sp>
       <p:sp>
         <p:nvSpPr>
-          <p:cNvPr id="5" name="テキスト ボックス 4">
-            <a:extLst>
-              <a:ext uri="{FF2B5EF4-FFF2-40B4-BE49-F238E27FC236}">
-                <a16:creationId xmlns:a16="http://schemas.microsoft.com/office/drawing/2014/main" id="{22F854A8-BD83-9D9F-08C3-6316ED7E5CDD}"/>
+          <p:cNvPr id="2" name="テキスト ボックス 1">
+            <a:extLst>
+              <a:ext uri="{FF2B5EF4-FFF2-40B4-BE49-F238E27FC236}">
+                <a16:creationId xmlns:a16="http://schemas.microsoft.com/office/drawing/2014/main" id="{A7A36B1C-7A58-0211-843B-54613B392D94}"/>
               </a:ext>
             </a:extLst>
           </p:cNvPr>
@@ -6823,8 +7716,8 @@
         </p:nvSpPr>
         <p:spPr>
           <a:xfrm>
-            <a:off x="2613904" y="4231428"/>
-            <a:ext cx="941283" cy="276999"/>
+            <a:off x="8321045" y="5127957"/>
+            <a:ext cx="1595309" cy="246221"/>
           </a:xfrm>
           <a:prstGeom prst="rect">
             <a:avLst/>
@@ -6838,15 +7731,104 @@
           <a:lstStyle/>
           <a:p>
             <a:r>
-              <a:rPr kumimoji="1" lang="ja-JP" altLang="en-US" sz="1200" b="1" dirty="0">
+              <a:rPr kumimoji="1" lang="en-US" altLang="ja-JP" sz="1000" dirty="0">
+                <a:solidFill>
+                  <a:schemeClr val="bg1">
+                    <a:lumMod val="50000"/>
+                  </a:schemeClr>
+                </a:solidFill>
+              </a:rPr>
+              <a:t>※</a:t>
+            </a:r>
+            <a:r>
+              <a:rPr kumimoji="1" lang="ja-JP" altLang="en-US" sz="1000" dirty="0">
+                <a:solidFill>
+                  <a:schemeClr val="bg1">
+                    <a:lumMod val="50000"/>
+                  </a:schemeClr>
+                </a:solidFill>
+              </a:rPr>
+              <a:t>ログ、監視は記載省略</a:t>
+            </a:r>
+          </a:p>
+        </p:txBody>
+      </p:sp>
+      <p:sp>
+        <p:nvSpPr>
+          <p:cNvPr id="10" name="吹き出し: 四角形 9">
+            <a:extLst>
+              <a:ext uri="{FF2B5EF4-FFF2-40B4-BE49-F238E27FC236}">
+                <a16:creationId xmlns:a16="http://schemas.microsoft.com/office/drawing/2014/main" id="{14EA6D78-B976-F45F-6EC3-AB00A9EBEFA0}"/>
+              </a:ext>
+            </a:extLst>
+          </p:cNvPr>
+          <p:cNvSpPr/>
+          <p:nvPr/>
+        </p:nvSpPr>
+        <p:spPr>
+          <a:xfrm>
+            <a:off x="2307604" y="4382803"/>
+            <a:ext cx="1055982" cy="269397"/>
+          </a:xfrm>
+          <a:prstGeom prst="wedgeRectCallout">
+            <a:avLst>
+              <a:gd name="adj1" fmla="val 46584"/>
+              <a:gd name="adj2" fmla="val -232766"/>
+            </a:avLst>
+          </a:prstGeom>
+          <a:solidFill>
+            <a:schemeClr val="bg1"/>
+          </a:solidFill>
+          <a:ln w="25400">
+            <a:solidFill>
+              <a:schemeClr val="accent2"/>
+            </a:solidFill>
+          </a:ln>
+        </p:spPr>
+        <p:style>
+          <a:lnRef idx="1">
+            <a:schemeClr val="accent4"/>
+          </a:lnRef>
+          <a:fillRef idx="2">
+            <a:schemeClr val="accent4"/>
+          </a:fillRef>
+          <a:effectRef idx="1">
+            <a:schemeClr val="accent4"/>
+          </a:effectRef>
+          <a:fontRef idx="minor">
+            <a:schemeClr val="dk1"/>
+          </a:fontRef>
+        </p:style>
+        <p:txBody>
+          <a:bodyPr rtlCol="0" anchor="ctr"/>
+          <a:lstStyle/>
+          <a:p>
+            <a:pPr algn="ctr"/>
+            <a:r>
+              <a:rPr lang="ja-JP" altLang="en-US" sz="1400" dirty="0">
+                <a:ln w="0"/>
                 <a:solidFill>
                   <a:schemeClr val="accent2"/>
                 </a:solidFill>
+                <a:effectLst>
+                  <a:outerShdw blurRad="38100" dist="25400" dir="5400000" algn="ctr" rotWithShape="0">
+                    <a:srgbClr val="6E747A">
+                      <a:alpha val="43000"/>
+                    </a:srgbClr>
+                  </a:outerShdw>
+                </a:effectLst>
                 <a:latin typeface="Meiryo UI" panose="020B0604030504040204" pitchFamily="50" charset="-128"/>
                 <a:ea typeface="Meiryo UI" panose="020B0604030504040204" pitchFamily="50" charset="-128"/>
               </a:rPr>
-              <a:t>本日の説明</a:t>
-            </a:r>
+              <a:t>①連携</a:t>
+            </a:r>
+            <a:endParaRPr kumimoji="1" lang="ja-JP" altLang="en-US" sz="2000" dirty="0">
+              <a:solidFill>
+                <a:schemeClr val="accent2"/>
+              </a:solidFill>
+              <a:latin typeface="Meiryo UI" panose="020B0604030504040204" pitchFamily="50" charset="-128"/>
+              <a:ea typeface="Meiryo UI" panose="020B0604030504040204" pitchFamily="50" charset="-128"/>
+            </a:endParaRPr>
           </a:p>
         </p:txBody>
       </p:sp>
@@ -6863,7 +7845,7 @@
 </p:sld>
 </file>
 
-<file path=ppt/slides/slide2.xml><?xml version="1.0" encoding="utf-8"?>
+<file path=ppt/slides/slide3.xml><?xml version="1.0" encoding="utf-8"?>
 <p:sld xmlns:a="http://schemas.openxmlformats.org/drawingml/2006/main" xmlns:r="http://schemas.openxmlformats.org/officeDocument/2006/relationships" xmlns:p="http://schemas.openxmlformats.org/presentationml/2006/main">
   <p:cSld>
     <p:spTree>
@@ -6960,7 +7942,7 @@
         </p:nvSpPr>
         <p:spPr>
           <a:xfrm>
-            <a:off x="728404" y="1105813"/>
+            <a:off x="647542" y="1091367"/>
             <a:ext cx="9708267" cy="400110"/>
           </a:xfrm>
           <a:prstGeom prst="rect">
@@ -7038,7 +8020,7 @@
         <p:spPr>
           <a:xfrm>
             <a:off x="1371918" y="91763"/>
-            <a:ext cx="3905877" cy="461665"/>
+            <a:ext cx="3655168" cy="461665"/>
           </a:xfrm>
           <a:prstGeom prst="rect">
             <a:avLst/>
@@ -7052,33 +8034,30 @@
           <a:lstStyle/>
           <a:p>
             <a:r>
-              <a:rPr kumimoji="1" lang="en-US" altLang="ja-JP" sz="2400" dirty="0">
+              <a:rPr lang="en-US" altLang="ja-JP" sz="2400" dirty="0" err="1">
                 <a:latin typeface="Meiryo UI" panose="020B0604030504040204" pitchFamily="50" charset="-128"/>
                 <a:ea typeface="Meiryo UI" panose="020B0604030504040204" pitchFamily="50" charset="-128"/>
               </a:rPr>
-              <a:t>AWS</a:t>
-            </a:r>
-            <a:r>
-              <a:rPr kumimoji="1" lang="ja-JP" altLang="en-US" sz="2400" dirty="0">
+              <a:t>Step3</a:t>
+            </a:r>
+            <a:r>
+              <a:rPr lang="en-US" altLang="ja-JP" sz="2400" dirty="0">
                 <a:latin typeface="Meiryo UI" panose="020B0604030504040204" pitchFamily="50" charset="-128"/>
                 <a:ea typeface="Meiryo UI" panose="020B0604030504040204" pitchFamily="50" charset="-128"/>
               </a:rPr>
-              <a:t> サーバレス</a:t>
-            </a:r>
-            <a:r>
-              <a:rPr kumimoji="1" lang="en-US" altLang="ja-JP" sz="2400" dirty="0">
+              <a:t> :  </a:t>
+            </a:r>
+            <a:r>
+              <a:rPr lang="ja-JP" altLang="en-US" sz="2400" dirty="0">
                 <a:latin typeface="Meiryo UI" panose="020B0604030504040204" pitchFamily="50" charset="-128"/>
                 <a:ea typeface="Meiryo UI" panose="020B0604030504040204" pitchFamily="50" charset="-128"/>
               </a:rPr>
-              <a:t>WEB</a:t>
-            </a:r>
-            <a:r>
-              <a:rPr kumimoji="1" lang="ja-JP" altLang="en-US" sz="2400" dirty="0">
-                <a:latin typeface="Meiryo UI" panose="020B0604030504040204" pitchFamily="50" charset="-128"/>
-                <a:ea typeface="Meiryo UI" panose="020B0604030504040204" pitchFamily="50" charset="-128"/>
-              </a:rPr>
-              <a:t>システム</a:t>
-            </a:r>
+              <a:t>クラウドシステム化</a:t>
+            </a:r>
+            <a:endParaRPr lang="en-US" altLang="ja-JP" sz="2400" dirty="0">
+              <a:latin typeface="Meiryo UI" panose="020B0604030504040204" pitchFamily="50" charset="-128"/>
+              <a:ea typeface="Meiryo UI" panose="020B0604030504040204" pitchFamily="50" charset="-128"/>
+            </a:endParaRPr>
           </a:p>
         </p:txBody>
       </p:sp>
@@ -9481,59 +10460,6 @@
           </a:p>
         </p:txBody>
       </p:sp>
-      <p:sp>
-        <p:nvSpPr>
-          <p:cNvPr id="86" name="テキスト ボックス 85">
-            <a:extLst>
-              <a:ext uri="{FF2B5EF4-FFF2-40B4-BE49-F238E27FC236}">
-                <a16:creationId xmlns:a16="http://schemas.microsoft.com/office/drawing/2014/main" id="{622BA257-CC47-8CBA-D283-ED2EA3822E53}"/>
-              </a:ext>
-            </a:extLst>
-          </p:cNvPr>
-          <p:cNvSpPr txBox="1"/>
-          <p:nvPr/>
-        </p:nvSpPr>
-        <p:spPr>
-          <a:xfrm>
-            <a:off x="11155555" y="137929"/>
-            <a:ext cx="745717" cy="369332"/>
-          </a:xfrm>
-          <a:prstGeom prst="rect">
-            <a:avLst/>
-          </a:prstGeom>
-          <a:solidFill>
-            <a:schemeClr val="accent1">
-              <a:lumMod val="60000"/>
-              <a:lumOff val="40000"/>
-            </a:schemeClr>
-          </a:solidFill>
-        </p:spPr>
-        <p:txBody>
-          <a:bodyPr wrap="none" rtlCol="0">
-            <a:spAutoFit/>
-          </a:bodyPr>
-          <a:lstStyle/>
-          <a:p>
-            <a:r>
-              <a:rPr kumimoji="1" lang="en-US" altLang="ja-JP" dirty="0">
-                <a:solidFill>
-                  <a:schemeClr val="bg1"/>
-                </a:solidFill>
-                <a:latin typeface="Microsoft YaHei UI Light" panose="020B0502040204020203" pitchFamily="34" charset="-122"/>
-                <a:ea typeface="Microsoft YaHei UI Light" panose="020B0502040204020203" pitchFamily="34" charset="-122"/>
-              </a:rPr>
-              <a:t>S S N</a:t>
-            </a:r>
-            <a:endParaRPr kumimoji="1" lang="ja-JP" altLang="en-US" dirty="0">
-              <a:solidFill>
-                <a:schemeClr val="bg1"/>
-              </a:solidFill>
-              <a:latin typeface="Microsoft YaHei UI Light" panose="020B0502040204020203" pitchFamily="34" charset="-122"/>
-              <a:ea typeface="Microsoft YaHei UI Light" panose="020B0502040204020203" pitchFamily="34" charset="-122"/>
-            </a:endParaRPr>
-          </a:p>
-        </p:txBody>
-      </p:sp>
       <p:pic>
         <p:nvPicPr>
           <p:cNvPr id="89" name="グラフィックス 88">
@@ -9963,6 +10889,52 @@
               <a:latin typeface="Meiryo UI" panose="020B0604030504040204" pitchFamily="50" charset="-128"/>
               <a:ea typeface="Meiryo UI" panose="020B0604030504040204" pitchFamily="50" charset="-128"/>
             </a:endParaRPr>
+          </a:p>
+        </p:txBody>
+      </p:sp>
+      <p:sp>
+        <p:nvSpPr>
+          <p:cNvPr id="22" name="テキスト ボックス 21">
+            <a:extLst>
+              <a:ext uri="{FF2B5EF4-FFF2-40B4-BE49-F238E27FC236}">
+                <a16:creationId xmlns:a16="http://schemas.microsoft.com/office/drawing/2014/main" id="{7E942C1D-E8D2-A795-1910-2D692C850D55}"/>
+              </a:ext>
+            </a:extLst>
+          </p:cNvPr>
+          <p:cNvSpPr txBox="1"/>
+          <p:nvPr/>
+        </p:nvSpPr>
+        <p:spPr>
+          <a:xfrm>
+            <a:off x="11152086" y="179050"/>
+            <a:ext cx="745717" cy="369332"/>
+          </a:xfrm>
+          <a:prstGeom prst="rect">
+            <a:avLst/>
+          </a:prstGeom>
+          <a:solidFill>
+            <a:schemeClr val="accent1">
+              <a:lumMod val="60000"/>
+              <a:lumOff val="40000"/>
+            </a:schemeClr>
+          </a:solidFill>
+        </p:spPr>
+        <p:txBody>
+          <a:bodyPr wrap="none" rtlCol="0">
+            <a:spAutoFit/>
+          </a:bodyPr>
+          <a:lstStyle/>
+          <a:p>
+            <a:r>
+              <a:rPr kumimoji="1" lang="en-US" altLang="ja-JP" dirty="0">
+                <a:solidFill>
+                  <a:schemeClr val="bg1"/>
+                </a:solidFill>
+                <a:latin typeface="Microsoft YaHei UI Light" panose="020B0502040204020203" pitchFamily="34" charset="-122"/>
+                <a:ea typeface="Microsoft YaHei UI Light" panose="020B0502040204020203" pitchFamily="34" charset="-122"/>
+              </a:rPr>
+              <a:t>S S N</a:t>
+            </a:r>
           </a:p>
         </p:txBody>
       </p:sp>

--- a/aws_memo2.pptx
+++ b/aws_memo2.pptx
@@ -199,7 +199,7 @@
           <a:p>
             <a:fld id="{2FA57A03-5D1F-430B-A680-C84EE3BF639F}" type="datetimeFigureOut">
               <a:rPr kumimoji="1" lang="ja-JP" altLang="en-US" smtClean="0"/>
-              <a:t>2025/9/12</a:t>
+              <a:t>2025/9/13</a:t>
             </a:fld>
             <a:endParaRPr kumimoji="1" lang="ja-JP" altLang="en-US"/>
           </a:p>
@@ -861,7 +861,7 @@
           <a:p>
             <a:fld id="{DFD24A67-B764-40B4-AC5D-31898D33BDFB}" type="datetimeFigureOut">
               <a:rPr kumimoji="1" lang="ja-JP" altLang="en-US" smtClean="0"/>
-              <a:t>2025/9/12</a:t>
+              <a:t>2025/9/13</a:t>
             </a:fld>
             <a:endParaRPr kumimoji="1" lang="ja-JP" altLang="en-US"/>
           </a:p>
@@ -1091,7 +1091,7 @@
           <a:p>
             <a:fld id="{DFD24A67-B764-40B4-AC5D-31898D33BDFB}" type="datetimeFigureOut">
               <a:rPr kumimoji="1" lang="ja-JP" altLang="en-US" smtClean="0"/>
-              <a:t>2025/9/12</a:t>
+              <a:t>2025/9/13</a:t>
             </a:fld>
             <a:endParaRPr kumimoji="1" lang="ja-JP" altLang="en-US"/>
           </a:p>
@@ -1331,7 +1331,7 @@
           <a:p>
             <a:fld id="{DFD24A67-B764-40B4-AC5D-31898D33BDFB}" type="datetimeFigureOut">
               <a:rPr kumimoji="1" lang="ja-JP" altLang="en-US" smtClean="0"/>
-              <a:t>2025/9/12</a:t>
+              <a:t>2025/9/13</a:t>
             </a:fld>
             <a:endParaRPr kumimoji="1" lang="ja-JP" altLang="en-US"/>
           </a:p>
@@ -1561,7 +1561,7 @@
           <a:p>
             <a:fld id="{DFD24A67-B764-40B4-AC5D-31898D33BDFB}" type="datetimeFigureOut">
               <a:rPr kumimoji="1" lang="ja-JP" altLang="en-US" smtClean="0"/>
-              <a:t>2025/9/12</a:t>
+              <a:t>2025/9/13</a:t>
             </a:fld>
             <a:endParaRPr kumimoji="1" lang="ja-JP" altLang="en-US"/>
           </a:p>
@@ -1836,7 +1836,7 @@
           <a:p>
             <a:fld id="{DFD24A67-B764-40B4-AC5D-31898D33BDFB}" type="datetimeFigureOut">
               <a:rPr kumimoji="1" lang="ja-JP" altLang="en-US" smtClean="0"/>
-              <a:t>2025/9/12</a:t>
+              <a:t>2025/9/13</a:t>
             </a:fld>
             <a:endParaRPr kumimoji="1" lang="ja-JP" altLang="en-US"/>
           </a:p>
@@ -2165,7 +2165,7 @@
           <a:p>
             <a:fld id="{DFD24A67-B764-40B4-AC5D-31898D33BDFB}" type="datetimeFigureOut">
               <a:rPr kumimoji="1" lang="ja-JP" altLang="en-US" smtClean="0"/>
-              <a:t>2025/9/12</a:t>
+              <a:t>2025/9/13</a:t>
             </a:fld>
             <a:endParaRPr kumimoji="1" lang="ja-JP" altLang="en-US"/>
           </a:p>
@@ -2641,7 +2641,7 @@
           <a:p>
             <a:fld id="{DFD24A67-B764-40B4-AC5D-31898D33BDFB}" type="datetimeFigureOut">
               <a:rPr kumimoji="1" lang="ja-JP" altLang="en-US" smtClean="0"/>
-              <a:t>2025/9/12</a:t>
+              <a:t>2025/9/13</a:t>
             </a:fld>
             <a:endParaRPr kumimoji="1" lang="ja-JP" altLang="en-US"/>
           </a:p>
@@ -2782,7 +2782,7 @@
           <a:p>
             <a:fld id="{DFD24A67-B764-40B4-AC5D-31898D33BDFB}" type="datetimeFigureOut">
               <a:rPr kumimoji="1" lang="ja-JP" altLang="en-US" smtClean="0"/>
-              <a:t>2025/9/12</a:t>
+              <a:t>2025/9/13</a:t>
             </a:fld>
             <a:endParaRPr kumimoji="1" lang="ja-JP" altLang="en-US"/>
           </a:p>
@@ -2895,7 +2895,7 @@
           <a:p>
             <a:fld id="{DFD24A67-B764-40B4-AC5D-31898D33BDFB}" type="datetimeFigureOut">
               <a:rPr kumimoji="1" lang="ja-JP" altLang="en-US" smtClean="0"/>
-              <a:t>2025/9/12</a:t>
+              <a:t>2025/9/13</a:t>
             </a:fld>
             <a:endParaRPr kumimoji="1" lang="ja-JP" altLang="en-US"/>
           </a:p>
@@ -3238,7 +3238,7 @@
           <a:p>
             <a:fld id="{DFD24A67-B764-40B4-AC5D-31898D33BDFB}" type="datetimeFigureOut">
               <a:rPr kumimoji="1" lang="ja-JP" altLang="en-US" smtClean="0"/>
-              <a:t>2025/9/12</a:t>
+              <a:t>2025/9/13</a:t>
             </a:fld>
             <a:endParaRPr kumimoji="1" lang="ja-JP" altLang="en-US"/>
           </a:p>
@@ -3526,7 +3526,7 @@
           <a:p>
             <a:fld id="{DFD24A67-B764-40B4-AC5D-31898D33BDFB}" type="datetimeFigureOut">
               <a:rPr kumimoji="1" lang="ja-JP" altLang="en-US" smtClean="0"/>
-              <a:t>2025/9/12</a:t>
+              <a:t>2025/9/13</a:t>
             </a:fld>
             <a:endParaRPr kumimoji="1" lang="ja-JP" altLang="en-US"/>
           </a:p>
@@ -3799,7 +3799,7 @@
           <a:p>
             <a:fld id="{DFD24A67-B764-40B4-AC5D-31898D33BDFB}" type="datetimeFigureOut">
               <a:rPr kumimoji="1" lang="ja-JP" altLang="en-US" smtClean="0"/>
-              <a:t>2025/9/12</a:t>
+              <a:t>2025/9/13</a:t>
             </a:fld>
             <a:endParaRPr kumimoji="1" lang="ja-JP" altLang="en-US"/>
           </a:p>
@@ -4361,7 +4361,7 @@
         </p:blipFill>
         <p:spPr>
           <a:xfrm>
-            <a:off x="8162834" y="4659039"/>
+            <a:off x="8440566" y="4601122"/>
             <a:ext cx="516473" cy="509647"/>
           </a:xfrm>
           <a:prstGeom prst="rect">
@@ -4388,12 +4388,17 @@
         <p:spPr>
           <a:xfrm>
             <a:off x="9162321" y="3666197"/>
-            <a:ext cx="7352" cy="914750"/>
+            <a:ext cx="440897" cy="934925"/>
           </a:xfrm>
           <a:prstGeom prst="straightConnector1">
             <a:avLst/>
           </a:prstGeom>
-          <a:ln w="31750">
+          <a:ln w="19050">
+            <a:solidFill>
+              <a:schemeClr val="bg1">
+                <a:lumMod val="75000"/>
+              </a:schemeClr>
+            </a:solidFill>
             <a:tailEnd type="triangle"/>
           </a:ln>
         </p:spPr>
@@ -4430,13 +4435,18 @@
         </p:nvCxnSpPr>
         <p:spPr>
           <a:xfrm flipH="1">
-            <a:off x="8421071" y="3666197"/>
-            <a:ext cx="741250" cy="992842"/>
+            <a:off x="8698803" y="3666197"/>
+            <a:ext cx="463518" cy="934925"/>
           </a:xfrm>
           <a:prstGeom prst="straightConnector1">
             <a:avLst/>
           </a:prstGeom>
-          <a:ln w="31750">
+          <a:ln w="19050">
+            <a:solidFill>
+              <a:schemeClr val="bg1">
+                <a:lumMod val="75000"/>
+              </a:schemeClr>
+            </a:solidFill>
             <a:tailEnd type="triangle"/>
           </a:ln>
         </p:spPr>
@@ -4483,7 +4493,7 @@
         </p:blipFill>
         <p:spPr>
           <a:xfrm>
-            <a:off x="8834685" y="4580947"/>
+            <a:off x="9268230" y="4601122"/>
             <a:ext cx="669976" cy="669976"/>
           </a:xfrm>
           <a:prstGeom prst="rect">
@@ -4513,7 +4523,7 @@
         </p:blipFill>
         <p:spPr>
           <a:xfrm>
-            <a:off x="3917573" y="3014863"/>
+            <a:off x="3760001" y="3014863"/>
             <a:ext cx="274014" cy="409144"/>
           </a:xfrm>
           <a:prstGeom prst="rect">
@@ -4613,7 +4623,7 @@
         </p:nvSpPr>
         <p:spPr>
           <a:xfrm>
-            <a:off x="9183614" y="3543086"/>
+            <a:off x="9254593" y="3432720"/>
             <a:ext cx="859225" cy="246221"/>
           </a:xfrm>
           <a:prstGeom prst="rect">
@@ -4661,7 +4671,7 @@
         </p:nvSpPr>
         <p:spPr>
           <a:xfrm>
-            <a:off x="7799912" y="5117371"/>
+            <a:off x="8132928" y="5071875"/>
             <a:ext cx="1082348" cy="246221"/>
           </a:xfrm>
           <a:prstGeom prst="rect">
@@ -4710,7 +4720,7 @@
         </p:blipFill>
         <p:spPr>
           <a:xfrm>
-            <a:off x="3851147" y="3687656"/>
+            <a:off x="3693575" y="3687656"/>
             <a:ext cx="406866" cy="378881"/>
           </a:xfrm>
           <a:prstGeom prst="rect">
@@ -4740,7 +4750,7 @@
         </p:blipFill>
         <p:spPr>
           <a:xfrm>
-            <a:off x="2306733" y="3682592"/>
+            <a:off x="2149161" y="3682592"/>
             <a:ext cx="509344" cy="428770"/>
           </a:xfrm>
           <a:prstGeom prst="rect">
@@ -4766,7 +4776,7 @@
         </p:nvCxnSpPr>
         <p:spPr>
           <a:xfrm flipV="1">
-            <a:off x="2816077" y="3893077"/>
+            <a:off x="2658505" y="3893077"/>
             <a:ext cx="578683" cy="3900"/>
           </a:xfrm>
           <a:prstGeom prst="straightConnector1">
@@ -4805,7 +4815,7 @@
         </p:nvSpPr>
         <p:spPr>
           <a:xfrm>
-            <a:off x="3812368" y="4035603"/>
+            <a:off x="3654796" y="4035603"/>
             <a:ext cx="526106" cy="246221"/>
           </a:xfrm>
           <a:prstGeom prst="rect">
@@ -4861,7 +4871,7 @@
         </p:blipFill>
         <p:spPr>
           <a:xfrm>
-            <a:off x="3394760" y="3677897"/>
+            <a:off x="3237188" y="3677897"/>
             <a:ext cx="412521" cy="430360"/>
           </a:xfrm>
           <a:prstGeom prst="rect">
@@ -4869,12 +4879,133 @@
           </a:prstGeom>
         </p:spPr>
       </p:pic>
-      <p:sp>
-        <p:nvSpPr>
-          <p:cNvPr id="84" name="正方形/長方形 83">
-            <a:extLst>
-              <a:ext uri="{FF2B5EF4-FFF2-40B4-BE49-F238E27FC236}">
-                <a16:creationId xmlns:a16="http://schemas.microsoft.com/office/drawing/2014/main" id="{2B44DC19-7D2C-2ADB-A443-A1DD13F91BE5}"/>
+      <p:cxnSp>
+        <p:nvCxnSpPr>
+          <p:cNvPr id="85" name="直線矢印コネクタ 84">
+            <a:extLst>
+              <a:ext uri="{FF2B5EF4-FFF2-40B4-BE49-F238E27FC236}">
+                <a16:creationId xmlns:a16="http://schemas.microsoft.com/office/drawing/2014/main" id="{CA0AF236-52C3-0E10-1DFE-8D7101BFDABD}"/>
+              </a:ext>
+            </a:extLst>
+          </p:cNvPr>
+          <p:cNvCxnSpPr>
+            <a:cxnSpLocks/>
+            <a:stCxn id="64" idx="2"/>
+            <a:endCxn id="79" idx="0"/>
+          </p:cNvCxnSpPr>
+          <p:nvPr/>
+        </p:nvCxnSpPr>
+        <p:spPr>
+          <a:xfrm>
+            <a:off x="3897008" y="3424007"/>
+            <a:ext cx="0" cy="263649"/>
+          </a:xfrm>
+          <a:prstGeom prst="straightConnector1">
+            <a:avLst/>
+          </a:prstGeom>
+          <a:ln w="15875">
+            <a:solidFill>
+              <a:schemeClr val="bg1">
+                <a:lumMod val="65000"/>
+              </a:schemeClr>
+            </a:solidFill>
+            <a:tailEnd type="triangle"/>
+          </a:ln>
+        </p:spPr>
+        <p:style>
+          <a:lnRef idx="3">
+            <a:schemeClr val="accent1"/>
+          </a:lnRef>
+          <a:fillRef idx="0">
+            <a:schemeClr val="accent1"/>
+          </a:fillRef>
+          <a:effectRef idx="2">
+            <a:schemeClr val="accent1"/>
+          </a:effectRef>
+          <a:fontRef idx="minor">
+            <a:schemeClr val="tx1"/>
+          </a:fontRef>
+        </p:style>
+      </p:cxnSp>
+      <p:sp>
+        <p:nvSpPr>
+          <p:cNvPr id="89" name="テキスト ボックス 88">
+            <a:extLst>
+              <a:ext uri="{FF2B5EF4-FFF2-40B4-BE49-F238E27FC236}">
+                <a16:creationId xmlns:a16="http://schemas.microsoft.com/office/drawing/2014/main" id="{74C90DFB-0043-B535-FFE2-7B7F29ACCD76}"/>
+              </a:ext>
+            </a:extLst>
+          </p:cNvPr>
+          <p:cNvSpPr txBox="1"/>
+          <p:nvPr/>
+        </p:nvSpPr>
+        <p:spPr>
+          <a:xfrm>
+            <a:off x="1371805" y="1606429"/>
+            <a:ext cx="4224605" cy="400110"/>
+          </a:xfrm>
+          <a:prstGeom prst="rect">
+            <a:avLst/>
+          </a:prstGeom>
+          <a:solidFill>
+            <a:schemeClr val="bg1"/>
+          </a:solidFill>
+        </p:spPr>
+        <p:txBody>
+          <a:bodyPr wrap="square" rtlCol="0">
+            <a:spAutoFit/>
+          </a:bodyPr>
+          <a:lstStyle/>
+          <a:p>
+            <a:pPr algn="ctr"/>
+            <a:r>
+              <a:rPr lang="ja-JP" altLang="en-US" sz="2000" dirty="0">
+                <a:latin typeface="Meiryo UI" panose="020B0604030504040204" pitchFamily="50" charset="-128"/>
+                <a:ea typeface="Meiryo UI" panose="020B0604030504040204" pitchFamily="50" charset="-128"/>
+              </a:rPr>
+              <a:t>①</a:t>
+            </a:r>
+            <a:r>
+              <a:rPr lang="en-US" altLang="ja-JP" sz="2000" dirty="0">
+                <a:latin typeface="Meiryo UI" panose="020B0604030504040204" pitchFamily="50" charset="-128"/>
+                <a:ea typeface="Meiryo UI" panose="020B0604030504040204" pitchFamily="50" charset="-128"/>
+              </a:rPr>
+              <a:t>Figma</a:t>
+            </a:r>
+            <a:r>
+              <a:rPr lang="ja-JP" altLang="en-US" sz="2000" dirty="0">
+                <a:latin typeface="Meiryo UI" panose="020B0604030504040204" pitchFamily="50" charset="-128"/>
+                <a:ea typeface="Meiryo UI" panose="020B0604030504040204" pitchFamily="50" charset="-128"/>
+              </a:rPr>
+              <a:t>で</a:t>
+            </a:r>
+            <a:r>
+              <a:rPr lang="en-US" altLang="ja-JP" sz="2000" dirty="0">
+                <a:latin typeface="Meiryo UI" panose="020B0604030504040204" pitchFamily="50" charset="-128"/>
+                <a:ea typeface="Meiryo UI" panose="020B0604030504040204" pitchFamily="50" charset="-128"/>
+              </a:rPr>
+              <a:t>WEB</a:t>
+            </a:r>
+            <a:r>
+              <a:rPr lang="ja-JP" altLang="en-US" sz="2000" dirty="0">
+                <a:latin typeface="Meiryo UI" panose="020B0604030504040204" pitchFamily="50" charset="-128"/>
+                <a:ea typeface="Meiryo UI" panose="020B0604030504040204" pitchFamily="50" charset="-128"/>
+              </a:rPr>
+              <a:t>サイト作成の効率化</a:t>
+            </a:r>
+            <a:endParaRPr lang="en-US" altLang="ja-JP" sz="2000" dirty="0">
+              <a:latin typeface="Meiryo UI" panose="020B0604030504040204" pitchFamily="50" charset="-128"/>
+              <a:ea typeface="Meiryo UI" panose="020B0604030504040204" pitchFamily="50" charset="-128"/>
+            </a:endParaRPr>
+          </a:p>
+        </p:txBody>
+      </p:sp>
+      <p:sp>
+        <p:nvSpPr>
+          <p:cNvPr id="94" name="正方形/長方形 93">
+            <a:extLst>
+              <a:ext uri="{FF2B5EF4-FFF2-40B4-BE49-F238E27FC236}">
+                <a16:creationId xmlns:a16="http://schemas.microsoft.com/office/drawing/2014/main" id="{8EF6E79A-D4F9-A737-0962-28E566B60191}"/>
               </a:ext>
             </a:extLst>
           </p:cNvPr>
@@ -4883,19 +5014,13 @@
         </p:nvSpPr>
         <p:spPr>
           <a:xfrm>
-            <a:off x="3749358" y="3424007"/>
-            <a:ext cx="636605" cy="857816"/>
+            <a:off x="6420116" y="1807469"/>
+            <a:ext cx="5113099" cy="4643120"/>
           </a:xfrm>
           <a:prstGeom prst="rect">
             <a:avLst/>
           </a:prstGeom>
           <a:noFill/>
-          <a:ln w="25400">
-            <a:solidFill>
-              <a:schemeClr val="accent2"/>
-            </a:solidFill>
-            <a:prstDash val="sysDash"/>
-          </a:ln>
         </p:spPr>
         <p:style>
           <a:lnRef idx="2">
@@ -4922,36 +5047,402 @@
           </a:p>
         </p:txBody>
       </p:sp>
+      <p:sp>
+        <p:nvSpPr>
+          <p:cNvPr id="92" name="テキスト ボックス 91">
+            <a:extLst>
+              <a:ext uri="{FF2B5EF4-FFF2-40B4-BE49-F238E27FC236}">
+                <a16:creationId xmlns:a16="http://schemas.microsoft.com/office/drawing/2014/main" id="{4065B38C-C7ED-7A69-6831-394D8AF2F373}"/>
+              </a:ext>
+            </a:extLst>
+          </p:cNvPr>
+          <p:cNvSpPr txBox="1"/>
+          <p:nvPr/>
+        </p:nvSpPr>
+        <p:spPr>
+          <a:xfrm>
+            <a:off x="7085404" y="1586902"/>
+            <a:ext cx="3677714" cy="400110"/>
+          </a:xfrm>
+          <a:prstGeom prst="rect">
+            <a:avLst/>
+          </a:prstGeom>
+          <a:solidFill>
+            <a:schemeClr val="bg1"/>
+          </a:solidFill>
+        </p:spPr>
+        <p:txBody>
+          <a:bodyPr wrap="square" rtlCol="0">
+            <a:spAutoFit/>
+          </a:bodyPr>
+          <a:lstStyle/>
+          <a:p>
+            <a:pPr algn="ctr"/>
+            <a:r>
+              <a:rPr lang="ja-JP" altLang="en-US" sz="2000" dirty="0">
+                <a:latin typeface="Meiryo UI" panose="020B0604030504040204" pitchFamily="50" charset="-128"/>
+                <a:ea typeface="Meiryo UI" panose="020B0604030504040204" pitchFamily="50" charset="-128"/>
+              </a:rPr>
+              <a:t>②</a:t>
+            </a:r>
+            <a:r>
+              <a:rPr lang="en-US" altLang="ja-JP" sz="2000" dirty="0">
+                <a:latin typeface="Meiryo UI" panose="020B0604030504040204" pitchFamily="50" charset="-128"/>
+                <a:ea typeface="Meiryo UI" panose="020B0604030504040204" pitchFamily="50" charset="-128"/>
+              </a:rPr>
+              <a:t>Cline</a:t>
+            </a:r>
+            <a:r>
+              <a:rPr lang="ja-JP" altLang="en-US" sz="2000" dirty="0">
+                <a:latin typeface="Meiryo UI" panose="020B0604030504040204" pitchFamily="50" charset="-128"/>
+                <a:ea typeface="Meiryo UI" panose="020B0604030504040204" pitchFamily="50" charset="-128"/>
+              </a:rPr>
+              <a:t>でツール開発の効率化</a:t>
+            </a:r>
+            <a:endParaRPr lang="en-US" altLang="ja-JP" sz="2000" dirty="0">
+              <a:latin typeface="Meiryo UI" panose="020B0604030504040204" pitchFamily="50" charset="-128"/>
+              <a:ea typeface="Meiryo UI" panose="020B0604030504040204" pitchFamily="50" charset="-128"/>
+            </a:endParaRPr>
+          </a:p>
+        </p:txBody>
+      </p:sp>
+      <p:sp>
+        <p:nvSpPr>
+          <p:cNvPr id="95" name="テキスト ボックス 94">
+            <a:extLst>
+              <a:ext uri="{FF2B5EF4-FFF2-40B4-BE49-F238E27FC236}">
+                <a16:creationId xmlns:a16="http://schemas.microsoft.com/office/drawing/2014/main" id="{C229F9F3-B4BE-A2C8-D386-1B588E3CF27B}"/>
+              </a:ext>
+            </a:extLst>
+          </p:cNvPr>
+          <p:cNvSpPr txBox="1"/>
+          <p:nvPr/>
+        </p:nvSpPr>
+        <p:spPr>
+          <a:xfrm>
+            <a:off x="7940431" y="6045694"/>
+            <a:ext cx="3023149" cy="276999"/>
+          </a:xfrm>
+          <a:prstGeom prst="rect">
+            <a:avLst/>
+          </a:prstGeom>
+          <a:noFill/>
+        </p:spPr>
+        <p:txBody>
+          <a:bodyPr wrap="square" rtlCol="0">
+            <a:spAutoFit/>
+          </a:bodyPr>
+          <a:lstStyle/>
+          <a:p>
+            <a:r>
+              <a:rPr lang="en-US" altLang="ja-JP" sz="1200" dirty="0"/>
+              <a:t>Cline</a:t>
+            </a:r>
+            <a:r>
+              <a:rPr lang="ja-JP" altLang="en-US" sz="1200" dirty="0"/>
+              <a:t>は前回ハンズオンで説明済み</a:t>
+            </a:r>
+            <a:endParaRPr kumimoji="1" lang="en-US" altLang="ja-JP" sz="1200" dirty="0"/>
+          </a:p>
+        </p:txBody>
+      </p:sp>
+      <p:sp>
+        <p:nvSpPr>
+          <p:cNvPr id="96" name="テキスト ボックス 95">
+            <a:extLst>
+              <a:ext uri="{FF2B5EF4-FFF2-40B4-BE49-F238E27FC236}">
+                <a16:creationId xmlns:a16="http://schemas.microsoft.com/office/drawing/2014/main" id="{50728DD8-5E16-D05F-0238-3E4FAA720B10}"/>
+              </a:ext>
+            </a:extLst>
+          </p:cNvPr>
+          <p:cNvSpPr txBox="1"/>
+          <p:nvPr/>
+        </p:nvSpPr>
+        <p:spPr>
+          <a:xfrm>
+            <a:off x="1371805" y="176578"/>
+            <a:ext cx="4724194" cy="461665"/>
+          </a:xfrm>
+          <a:prstGeom prst="rect">
+            <a:avLst/>
+          </a:prstGeom>
+          <a:solidFill>
+            <a:schemeClr val="bg1"/>
+          </a:solidFill>
+        </p:spPr>
+        <p:txBody>
+          <a:bodyPr wrap="square" rtlCol="0">
+            <a:spAutoFit/>
+          </a:bodyPr>
+          <a:lstStyle/>
+          <a:p>
+            <a:r>
+              <a:rPr lang="en-US" altLang="ja-JP" sz="2400" dirty="0" err="1">
+                <a:latin typeface="Meiryo UI" panose="020B0604030504040204" pitchFamily="50" charset="-128"/>
+                <a:ea typeface="Meiryo UI" panose="020B0604030504040204" pitchFamily="50" charset="-128"/>
+              </a:rPr>
+              <a:t>Step1</a:t>
+            </a:r>
+            <a:r>
+              <a:rPr lang="en-US" altLang="ja-JP" sz="2400" dirty="0">
+                <a:latin typeface="Meiryo UI" panose="020B0604030504040204" pitchFamily="50" charset="-128"/>
+                <a:ea typeface="Meiryo UI" panose="020B0604030504040204" pitchFamily="50" charset="-128"/>
+              </a:rPr>
+              <a:t> : </a:t>
+            </a:r>
+            <a:r>
+              <a:rPr lang="ja-JP" altLang="en-US" sz="2400" dirty="0">
+                <a:latin typeface="Meiryo UI" panose="020B0604030504040204" pitchFamily="50" charset="-128"/>
+                <a:ea typeface="Meiryo UI" panose="020B0604030504040204" pitchFamily="50" charset="-128"/>
+              </a:rPr>
+              <a:t>個別効率化</a:t>
+            </a:r>
+            <a:endParaRPr lang="en-US" altLang="ja-JP" sz="2400" dirty="0">
+              <a:latin typeface="Meiryo UI" panose="020B0604030504040204" pitchFamily="50" charset="-128"/>
+              <a:ea typeface="Meiryo UI" panose="020B0604030504040204" pitchFamily="50" charset="-128"/>
+            </a:endParaRPr>
+          </a:p>
+        </p:txBody>
+      </p:sp>
+      <p:sp>
+        <p:nvSpPr>
+          <p:cNvPr id="2" name="テキスト ボックス 1">
+            <a:extLst>
+              <a:ext uri="{FF2B5EF4-FFF2-40B4-BE49-F238E27FC236}">
+                <a16:creationId xmlns:a16="http://schemas.microsoft.com/office/drawing/2014/main" id="{7CFAC6E8-D111-CE52-CBDC-8D28DBBE0C39}"/>
+              </a:ext>
+            </a:extLst>
+          </p:cNvPr>
+          <p:cNvSpPr txBox="1"/>
+          <p:nvPr/>
+        </p:nvSpPr>
+        <p:spPr>
+          <a:xfrm>
+            <a:off x="3240713" y="4066537"/>
+            <a:ext cx="338554" cy="246221"/>
+          </a:xfrm>
+          <a:prstGeom prst="rect">
+            <a:avLst/>
+          </a:prstGeom>
+          <a:noFill/>
+        </p:spPr>
+        <p:txBody>
+          <a:bodyPr wrap="none" rtlCol="0">
+            <a:spAutoFit/>
+          </a:bodyPr>
+          <a:lstStyle/>
+          <a:p>
+            <a:r>
+              <a:rPr kumimoji="1" lang="en-US" altLang="ja-JP" sz="1000" dirty="0">
+                <a:solidFill>
+                  <a:schemeClr val="bg1">
+                    <a:lumMod val="50000"/>
+                  </a:schemeClr>
+                </a:solidFill>
+              </a:rPr>
+              <a:t>IIS</a:t>
+            </a:r>
+            <a:endParaRPr kumimoji="1" lang="ja-JP" altLang="en-US" sz="1000" dirty="0">
+              <a:solidFill>
+                <a:schemeClr val="bg1">
+                  <a:lumMod val="50000"/>
+                </a:schemeClr>
+              </a:solidFill>
+            </a:endParaRPr>
+          </a:p>
+        </p:txBody>
+      </p:sp>
+      <p:sp>
+        <p:nvSpPr>
+          <p:cNvPr id="6" name="吹き出し: 四角形 5">
+            <a:extLst>
+              <a:ext uri="{FF2B5EF4-FFF2-40B4-BE49-F238E27FC236}">
+                <a16:creationId xmlns:a16="http://schemas.microsoft.com/office/drawing/2014/main" id="{0E6115D6-BCCD-5F2F-34A5-05435642216B}"/>
+              </a:ext>
+            </a:extLst>
+          </p:cNvPr>
+          <p:cNvSpPr/>
+          <p:nvPr/>
+        </p:nvSpPr>
+        <p:spPr>
+          <a:xfrm>
+            <a:off x="4292882" y="4474373"/>
+            <a:ext cx="1145956" cy="369331"/>
+          </a:xfrm>
+          <a:prstGeom prst="wedgeRectCallout">
+            <a:avLst>
+              <a:gd name="adj1" fmla="val -58359"/>
+              <a:gd name="adj2" fmla="val -169826"/>
+            </a:avLst>
+          </a:prstGeom>
+          <a:solidFill>
+            <a:schemeClr val="bg1"/>
+          </a:solidFill>
+          <a:ln w="25400">
+            <a:solidFill>
+              <a:schemeClr val="accent2"/>
+            </a:solidFill>
+          </a:ln>
+        </p:spPr>
+        <p:style>
+          <a:lnRef idx="1">
+            <a:schemeClr val="accent4"/>
+          </a:lnRef>
+          <a:fillRef idx="2">
+            <a:schemeClr val="accent4"/>
+          </a:fillRef>
+          <a:effectRef idx="1">
+            <a:schemeClr val="accent4"/>
+          </a:effectRef>
+          <a:fontRef idx="minor">
+            <a:schemeClr val="dk1"/>
+          </a:fontRef>
+        </p:style>
+        <p:txBody>
+          <a:bodyPr rtlCol="0" anchor="ctr"/>
+          <a:lstStyle/>
+          <a:p>
+            <a:pPr algn="ctr"/>
+            <a:r>
+              <a:rPr kumimoji="1" lang="ja-JP" altLang="en-US" sz="1400" dirty="0">
+                <a:ln w="0"/>
+                <a:solidFill>
+                  <a:schemeClr val="accent2"/>
+                </a:solidFill>
+                <a:effectLst>
+                  <a:outerShdw blurRad="38100" dist="25400" dir="5400000" algn="ctr" rotWithShape="0">
+                    <a:srgbClr val="6E747A">
+                      <a:alpha val="43000"/>
+                    </a:srgbClr>
+                  </a:outerShdw>
+                </a:effectLst>
+                <a:latin typeface="Meiryo UI" panose="020B0604030504040204" pitchFamily="50" charset="-128"/>
+                <a:ea typeface="Meiryo UI" panose="020B0604030504040204" pitchFamily="50" charset="-128"/>
+              </a:rPr>
+              <a:t>本日説明</a:t>
+            </a:r>
+            <a:endParaRPr kumimoji="1" lang="ja-JP" altLang="en-US" sz="2000" dirty="0">
+              <a:solidFill>
+                <a:schemeClr val="accent2"/>
+              </a:solidFill>
+              <a:latin typeface="Meiryo UI" panose="020B0604030504040204" pitchFamily="50" charset="-128"/>
+              <a:ea typeface="Meiryo UI" panose="020B0604030504040204" pitchFamily="50" charset="-128"/>
+            </a:endParaRPr>
+          </a:p>
+        </p:txBody>
+      </p:sp>
+      <p:sp>
+        <p:nvSpPr>
+          <p:cNvPr id="7" name="テキスト ボックス 6">
+            <a:extLst>
+              <a:ext uri="{FF2B5EF4-FFF2-40B4-BE49-F238E27FC236}">
+                <a16:creationId xmlns:a16="http://schemas.microsoft.com/office/drawing/2014/main" id="{65FE6637-2E4B-F6F8-EAA7-2F88BBC8FCF3}"/>
+              </a:ext>
+            </a:extLst>
+          </p:cNvPr>
+          <p:cNvSpPr txBox="1"/>
+          <p:nvPr/>
+        </p:nvSpPr>
+        <p:spPr>
+          <a:xfrm>
+            <a:off x="1994303" y="4075626"/>
+            <a:ext cx="742511" cy="246221"/>
+          </a:xfrm>
+          <a:prstGeom prst="rect">
+            <a:avLst/>
+          </a:prstGeom>
+          <a:noFill/>
+        </p:spPr>
+        <p:txBody>
+          <a:bodyPr wrap="none" rtlCol="0">
+            <a:spAutoFit/>
+          </a:bodyPr>
+          <a:lstStyle/>
+          <a:p>
+            <a:r>
+              <a:rPr kumimoji="1" lang="ja-JP" altLang="en-US" sz="1000" dirty="0">
+                <a:solidFill>
+                  <a:schemeClr val="bg1">
+                    <a:lumMod val="50000"/>
+                  </a:schemeClr>
+                </a:solidFill>
+              </a:rPr>
+              <a:t>ユーザ</a:t>
+            </a:r>
+            <a:r>
+              <a:rPr kumimoji="1" lang="en-US" altLang="ja-JP" sz="1000" dirty="0">
+                <a:solidFill>
+                  <a:schemeClr val="bg1">
+                    <a:lumMod val="50000"/>
+                  </a:schemeClr>
+                </a:solidFill>
+              </a:rPr>
+              <a:t>PC</a:t>
+            </a:r>
+            <a:endParaRPr kumimoji="1" lang="ja-JP" altLang="en-US" sz="1000" dirty="0">
+              <a:solidFill>
+                <a:schemeClr val="bg1">
+                  <a:lumMod val="50000"/>
+                </a:schemeClr>
+              </a:solidFill>
+            </a:endParaRPr>
+          </a:p>
+        </p:txBody>
+      </p:sp>
+      <p:pic>
+        <p:nvPicPr>
+          <p:cNvPr id="8" name="図 7">
+            <a:extLst>
+              <a:ext uri="{FF2B5EF4-FFF2-40B4-BE49-F238E27FC236}">
+                <a16:creationId xmlns:a16="http://schemas.microsoft.com/office/drawing/2014/main" id="{04D7D640-7520-ADC3-3ED8-0918DFFB4891}"/>
+              </a:ext>
+            </a:extLst>
+          </p:cNvPr>
+          <p:cNvPicPr>
+            <a:picLocks noChangeAspect="1"/>
+          </p:cNvPicPr>
+          <p:nvPr/>
+        </p:nvPicPr>
+        <p:blipFill>
+          <a:blip r:embed="rId8"/>
+          <a:stretch>
+            <a:fillRect/>
+          </a:stretch>
+        </p:blipFill>
+        <p:spPr>
+          <a:xfrm>
+            <a:off x="7854971" y="3255523"/>
+            <a:ext cx="509344" cy="428770"/>
+          </a:xfrm>
+          <a:prstGeom prst="rect">
+            <a:avLst/>
+          </a:prstGeom>
+        </p:spPr>
+      </p:pic>
       <p:cxnSp>
         <p:nvCxnSpPr>
-          <p:cNvPr id="85" name="直線矢印コネクタ 84">
-            <a:extLst>
-              <a:ext uri="{FF2B5EF4-FFF2-40B4-BE49-F238E27FC236}">
-                <a16:creationId xmlns:a16="http://schemas.microsoft.com/office/drawing/2014/main" id="{CA0AF236-52C3-0E10-1DFE-8D7101BFDABD}"/>
+          <p:cNvPr id="9" name="直線矢印コネクタ 8">
+            <a:extLst>
+              <a:ext uri="{FF2B5EF4-FFF2-40B4-BE49-F238E27FC236}">
+                <a16:creationId xmlns:a16="http://schemas.microsoft.com/office/drawing/2014/main" id="{C6261534-6D6E-C446-A316-D4CCD12A07AD}"/>
               </a:ext>
             </a:extLst>
           </p:cNvPr>
           <p:cNvCxnSpPr>
             <a:cxnSpLocks/>
-            <a:stCxn id="64" idx="2"/>
-            <a:endCxn id="79" idx="0"/>
+            <a:stCxn id="8" idx="3"/>
           </p:cNvCxnSpPr>
           <p:nvPr/>
         </p:nvCxnSpPr>
         <p:spPr>
-          <a:xfrm>
-            <a:off x="4054580" y="3424007"/>
-            <a:ext cx="0" cy="263649"/>
+          <a:xfrm flipV="1">
+            <a:off x="8364315" y="3466008"/>
+            <a:ext cx="578683" cy="3900"/>
           </a:xfrm>
           <a:prstGeom prst="straightConnector1">
             <a:avLst/>
           </a:prstGeom>
-          <a:ln w="15875">
-            <a:solidFill>
-              <a:schemeClr val="bg1">
-                <a:lumMod val="65000"/>
-              </a:schemeClr>
-            </a:solidFill>
+          <a:ln w="31750">
             <a:tailEnd type="triangle"/>
           </a:ln>
         </p:spPr>
@@ -4972,10 +5463,10 @@
       </p:cxnSp>
       <p:sp>
         <p:nvSpPr>
-          <p:cNvPr id="88" name="テキスト ボックス 87">
-            <a:extLst>
-              <a:ext uri="{FF2B5EF4-FFF2-40B4-BE49-F238E27FC236}">
-                <a16:creationId xmlns:a16="http://schemas.microsoft.com/office/drawing/2014/main" id="{E6E18EFE-9E42-E8A2-76D0-6C73C4997068}"/>
+          <p:cNvPr id="10" name="テキスト ボックス 9">
+            <a:extLst>
+              <a:ext uri="{FF2B5EF4-FFF2-40B4-BE49-F238E27FC236}">
+                <a16:creationId xmlns:a16="http://schemas.microsoft.com/office/drawing/2014/main" id="{11B7E8C1-7025-F50B-E5E9-8632EB53F17E}"/>
               </a:ext>
             </a:extLst>
           </p:cNvPr>
@@ -4984,8 +5475,8 @@
         </p:nvSpPr>
         <p:spPr>
           <a:xfrm>
-            <a:off x="3581503" y="4273170"/>
-            <a:ext cx="1067921" cy="307777"/>
+            <a:off x="7700113" y="3648557"/>
+            <a:ext cx="742511" cy="246221"/>
           </a:xfrm>
           <a:prstGeom prst="rect">
             <a:avLst/>
@@ -4999,24 +5490,41 @@
           <a:lstStyle/>
           <a:p>
             <a:r>
-              <a:rPr kumimoji="1" lang="ja-JP" altLang="en-US" sz="1400" b="1" dirty="0">
+              <a:rPr kumimoji="1" lang="ja-JP" altLang="en-US" sz="1000" dirty="0">
                 <a:solidFill>
-                  <a:schemeClr val="accent2"/>
+                  <a:schemeClr val="bg1">
+                    <a:lumMod val="50000"/>
+                  </a:schemeClr>
                 </a:solidFill>
-                <a:latin typeface="Meiryo UI" panose="020B0604030504040204" pitchFamily="50" charset="-128"/>
-                <a:ea typeface="Meiryo UI" panose="020B0604030504040204" pitchFamily="50" charset="-128"/>
               </a:rPr>
-              <a:t>本日の説明</a:t>
-            </a:r>
-          </a:p>
-        </p:txBody>
-      </p:sp>
-      <p:sp>
-        <p:nvSpPr>
-          <p:cNvPr id="89" name="テキスト ボックス 88">
-            <a:extLst>
-              <a:ext uri="{FF2B5EF4-FFF2-40B4-BE49-F238E27FC236}">
-                <a16:creationId xmlns:a16="http://schemas.microsoft.com/office/drawing/2014/main" id="{74C90DFB-0043-B535-FFE2-7B7F29ACCD76}"/>
+              <a:t>ユーザ</a:t>
+            </a:r>
+            <a:r>
+              <a:rPr kumimoji="1" lang="en-US" altLang="ja-JP" sz="1000" dirty="0">
+                <a:solidFill>
+                  <a:schemeClr val="bg1">
+                    <a:lumMod val="50000"/>
+                  </a:schemeClr>
+                </a:solidFill>
+              </a:rPr>
+              <a:t>PC</a:t>
+            </a:r>
+            <a:endParaRPr kumimoji="1" lang="ja-JP" altLang="en-US" sz="1000" dirty="0">
+              <a:solidFill>
+                <a:schemeClr val="bg1">
+                  <a:lumMod val="50000"/>
+                </a:schemeClr>
+              </a:solidFill>
+            </a:endParaRPr>
+          </a:p>
+        </p:txBody>
+      </p:sp>
+      <p:sp>
+        <p:nvSpPr>
+          <p:cNvPr id="13" name="テキスト ボックス 12">
+            <a:extLst>
+              <a:ext uri="{FF2B5EF4-FFF2-40B4-BE49-F238E27FC236}">
+                <a16:creationId xmlns:a16="http://schemas.microsoft.com/office/drawing/2014/main" id="{6EEA4703-DCCE-57F1-D5B1-1E6E000024E8}"/>
               </a:ext>
             </a:extLst>
           </p:cNvPr>
@@ -5025,15 +5533,13 @@
         </p:nvSpPr>
         <p:spPr>
           <a:xfrm>
-            <a:off x="1219406" y="1627364"/>
-            <a:ext cx="4724194" cy="400110"/>
-          </a:xfrm>
-          <a:prstGeom prst="rect">
-            <a:avLst/>
-          </a:prstGeom>
-          <a:solidFill>
-            <a:schemeClr val="bg1"/>
-          </a:solidFill>
+            <a:off x="9486438" y="4272441"/>
+            <a:ext cx="859225" cy="246221"/>
+          </a:xfrm>
+          <a:prstGeom prst="rect">
+            <a:avLst/>
+          </a:prstGeom>
+          <a:noFill/>
         </p:spPr>
         <p:txBody>
           <a:bodyPr wrap="square" rtlCol="0">
@@ -5041,55 +5547,32 @@
           </a:bodyPr>
           <a:lstStyle/>
           <a:p>
-            <a:pPr algn="ctr"/>
-            <a:r>
-              <a:rPr lang="ja-JP" altLang="en-US" sz="2000" dirty="0">
-                <a:latin typeface="Meiryo UI" panose="020B0604030504040204" pitchFamily="50" charset="-128"/>
-                <a:ea typeface="Meiryo UI" panose="020B0604030504040204" pitchFamily="50" charset="-128"/>
+            <a:r>
+              <a:rPr kumimoji="1" lang="en-US" altLang="ja-JP" sz="1000" dirty="0">
+                <a:solidFill>
+                  <a:schemeClr val="bg1">
+                    <a:lumMod val="50000"/>
+                  </a:schemeClr>
+                </a:solidFill>
               </a:rPr>
-              <a:t>①</a:t>
-            </a:r>
-            <a:r>
-              <a:rPr lang="en-US" altLang="ja-JP" sz="2000" dirty="0">
-                <a:latin typeface="Meiryo UI" panose="020B0604030504040204" pitchFamily="50" charset="-128"/>
-                <a:ea typeface="Meiryo UI" panose="020B0604030504040204" pitchFamily="50" charset="-128"/>
-              </a:rPr>
-              <a:t>Figma</a:t>
-            </a:r>
-            <a:r>
-              <a:rPr lang="ja-JP" altLang="en-US" sz="2000" dirty="0">
-                <a:latin typeface="Meiryo UI" panose="020B0604030504040204" pitchFamily="50" charset="-128"/>
-                <a:ea typeface="Meiryo UI" panose="020B0604030504040204" pitchFamily="50" charset="-128"/>
-              </a:rPr>
-              <a:t>で静的</a:t>
-            </a:r>
-            <a:r>
-              <a:rPr lang="en-US" altLang="ja-JP" sz="2000" dirty="0">
-                <a:latin typeface="Meiryo UI" panose="020B0604030504040204" pitchFamily="50" charset="-128"/>
-                <a:ea typeface="Meiryo UI" panose="020B0604030504040204" pitchFamily="50" charset="-128"/>
-              </a:rPr>
-              <a:t>WEB</a:t>
-            </a:r>
-            <a:r>
-              <a:rPr lang="ja-JP" altLang="en-US" sz="2000" dirty="0">
-                <a:latin typeface="Meiryo UI" panose="020B0604030504040204" pitchFamily="50" charset="-128"/>
-                <a:ea typeface="Meiryo UI" panose="020B0604030504040204" pitchFamily="50" charset="-128"/>
-              </a:rPr>
-              <a:t>サイト作成の効率化</a:t>
-            </a:r>
-            <a:endParaRPr lang="en-US" altLang="ja-JP" sz="2000" dirty="0">
-              <a:latin typeface="Meiryo UI" panose="020B0604030504040204" pitchFamily="50" charset="-128"/>
-              <a:ea typeface="Meiryo UI" panose="020B0604030504040204" pitchFamily="50" charset="-128"/>
+              <a:t>Read/Write</a:t>
+            </a:r>
+            <a:endParaRPr kumimoji="1" lang="ja-JP" altLang="en-US" sz="1000" dirty="0">
+              <a:solidFill>
+                <a:schemeClr val="bg1">
+                  <a:lumMod val="50000"/>
+                </a:schemeClr>
+              </a:solidFill>
             </a:endParaRPr>
           </a:p>
         </p:txBody>
       </p:sp>
       <p:sp>
         <p:nvSpPr>
-          <p:cNvPr id="90" name="テキスト ボックス 89">
-            <a:extLst>
-              <a:ext uri="{FF2B5EF4-FFF2-40B4-BE49-F238E27FC236}">
-                <a16:creationId xmlns:a16="http://schemas.microsoft.com/office/drawing/2014/main" id="{D1E2D8EC-4BE6-961C-01F6-88B89F7D6B40}"/>
+          <p:cNvPr id="14" name="テキスト ボックス 13">
+            <a:extLst>
+              <a:ext uri="{FF2B5EF4-FFF2-40B4-BE49-F238E27FC236}">
+                <a16:creationId xmlns:a16="http://schemas.microsoft.com/office/drawing/2014/main" id="{3BF941D4-2347-4C5A-92C0-DDE7BE3CF4F1}"/>
               </a:ext>
             </a:extLst>
           </p:cNvPr>
@@ -5098,8 +5581,8 @@
         </p:nvSpPr>
         <p:spPr>
           <a:xfrm>
-            <a:off x="7300321" y="5775889"/>
-            <a:ext cx="3706757" cy="369332"/>
+            <a:off x="7990263" y="4266880"/>
+            <a:ext cx="859225" cy="246221"/>
           </a:xfrm>
           <a:prstGeom prst="rect">
             <a:avLst/>
@@ -5113,19 +5596,31 @@
           <a:lstStyle/>
           <a:p>
             <a:r>
-              <a:rPr kumimoji="1" lang="ja-JP" altLang="en-US" dirty="0"/>
-              <a:t>基本はバックエンド処理が得意</a:t>
-            </a:r>
-            <a:endParaRPr kumimoji="1" lang="en-US" altLang="ja-JP" dirty="0"/>
-          </a:p>
-        </p:txBody>
-      </p:sp>
-      <p:sp>
-        <p:nvSpPr>
-          <p:cNvPr id="91" name="テキスト ボックス 90">
-            <a:extLst>
-              <a:ext uri="{FF2B5EF4-FFF2-40B4-BE49-F238E27FC236}">
-                <a16:creationId xmlns:a16="http://schemas.microsoft.com/office/drawing/2014/main" id="{CBC9BA2C-B333-E47E-0A77-930F912D33C9}"/>
+              <a:rPr kumimoji="1" lang="en-US" altLang="ja-JP" sz="1000" dirty="0">
+                <a:solidFill>
+                  <a:schemeClr val="bg1">
+                    <a:lumMod val="50000"/>
+                  </a:schemeClr>
+                </a:solidFill>
+              </a:rPr>
+              <a:t>Read/Write</a:t>
+            </a:r>
+            <a:endParaRPr kumimoji="1" lang="ja-JP" altLang="en-US" sz="1000" dirty="0">
+              <a:solidFill>
+                <a:schemeClr val="bg1">
+                  <a:lumMod val="50000"/>
+                </a:schemeClr>
+              </a:solidFill>
+            </a:endParaRPr>
+          </a:p>
+        </p:txBody>
+      </p:sp>
+      <p:sp>
+        <p:nvSpPr>
+          <p:cNvPr id="15" name="テキスト ボックス 14">
+            <a:extLst>
+              <a:ext uri="{FF2B5EF4-FFF2-40B4-BE49-F238E27FC236}">
+                <a16:creationId xmlns:a16="http://schemas.microsoft.com/office/drawing/2014/main" id="{3BECBFDE-6E55-0A67-B57B-B9D343CA2395}"/>
               </a:ext>
             </a:extLst>
           </p:cNvPr>
@@ -5134,8 +5629,8 @@
         </p:nvSpPr>
         <p:spPr>
           <a:xfrm>
-            <a:off x="1834237" y="5747474"/>
-            <a:ext cx="3706757" cy="369332"/>
+            <a:off x="3523686" y="2829839"/>
+            <a:ext cx="934871" cy="246221"/>
           </a:xfrm>
           <a:prstGeom prst="rect">
             <a:avLst/>
@@ -5143,218 +5638,82 @@
           <a:noFill/>
         </p:spPr>
         <p:txBody>
-          <a:bodyPr wrap="square" rtlCol="0">
+          <a:bodyPr wrap="none" rtlCol="0">
             <a:spAutoFit/>
           </a:bodyPr>
           <a:lstStyle/>
           <a:p>
             <a:r>
-              <a:rPr kumimoji="1" lang="ja-JP" altLang="en-US" dirty="0"/>
-              <a:t>基本はフロントエンドが得意</a:t>
-            </a:r>
-            <a:endParaRPr kumimoji="1" lang="en-US" altLang="ja-JP" dirty="0"/>
-          </a:p>
-        </p:txBody>
-      </p:sp>
-      <p:sp>
-        <p:nvSpPr>
-          <p:cNvPr id="94" name="正方形/長方形 93">
-            <a:extLst>
-              <a:ext uri="{FF2B5EF4-FFF2-40B4-BE49-F238E27FC236}">
-                <a16:creationId xmlns:a16="http://schemas.microsoft.com/office/drawing/2014/main" id="{8EF6E79A-D4F9-A737-0962-28E566B60191}"/>
-              </a:ext>
-            </a:extLst>
-          </p:cNvPr>
-          <p:cNvSpPr/>
-          <p:nvPr/>
-        </p:nvSpPr>
-        <p:spPr>
-          <a:xfrm>
-            <a:off x="6420116" y="1807469"/>
-            <a:ext cx="5113099" cy="4643120"/>
+              <a:rPr kumimoji="1" lang="en-US" altLang="ja-JP" sz="1000" dirty="0">
+                <a:solidFill>
+                  <a:schemeClr val="bg1">
+                    <a:lumMod val="50000"/>
+                  </a:schemeClr>
+                </a:solidFill>
+              </a:rPr>
+              <a:t>Figma</a:t>
+            </a:r>
+            <a:r>
+              <a:rPr kumimoji="1" lang="ja-JP" altLang="en-US" sz="1000" dirty="0">
+                <a:solidFill>
+                  <a:schemeClr val="bg1">
+                    <a:lumMod val="50000"/>
+                  </a:schemeClr>
+                </a:solidFill>
+              </a:rPr>
+              <a:t>で開発</a:t>
+            </a:r>
+          </a:p>
+        </p:txBody>
+      </p:sp>
+      <p:sp>
+        <p:nvSpPr>
+          <p:cNvPr id="16" name="テキスト ボックス 15">
+            <a:extLst>
+              <a:ext uri="{FF2B5EF4-FFF2-40B4-BE49-F238E27FC236}">
+                <a16:creationId xmlns:a16="http://schemas.microsoft.com/office/drawing/2014/main" id="{88F75439-05DC-0A9C-ECB6-BB8B93B27BA1}"/>
+              </a:ext>
+            </a:extLst>
+          </p:cNvPr>
+          <p:cNvSpPr txBox="1"/>
+          <p:nvPr/>
+        </p:nvSpPr>
+        <p:spPr>
+          <a:xfrm>
+            <a:off x="8732467" y="2407426"/>
+            <a:ext cx="870751" cy="246221"/>
           </a:xfrm>
           <a:prstGeom prst="rect">
             <a:avLst/>
           </a:prstGeom>
           <a:noFill/>
         </p:spPr>
-        <p:style>
-          <a:lnRef idx="2">
-            <a:schemeClr val="accent1">
-              <a:shade val="15000"/>
-            </a:schemeClr>
-          </a:lnRef>
-          <a:fillRef idx="1">
-            <a:schemeClr val="accent1"/>
-          </a:fillRef>
-          <a:effectRef idx="0">
-            <a:schemeClr val="accent1"/>
-          </a:effectRef>
-          <a:fontRef idx="minor">
-            <a:schemeClr val="lt1"/>
-          </a:fontRef>
-        </p:style>
-        <p:txBody>
-          <a:bodyPr rtlCol="0" anchor="ctr"/>
-          <a:lstStyle/>
-          <a:p>
-            <a:pPr algn="ctr"/>
-            <a:endParaRPr kumimoji="1" lang="ja-JP" altLang="en-US"/>
-          </a:p>
-        </p:txBody>
-      </p:sp>
-      <p:sp>
-        <p:nvSpPr>
-          <p:cNvPr id="92" name="テキスト ボックス 91">
-            <a:extLst>
-              <a:ext uri="{FF2B5EF4-FFF2-40B4-BE49-F238E27FC236}">
-                <a16:creationId xmlns:a16="http://schemas.microsoft.com/office/drawing/2014/main" id="{4065B38C-C7ED-7A69-6831-394D8AF2F373}"/>
-              </a:ext>
-            </a:extLst>
-          </p:cNvPr>
-          <p:cNvSpPr txBox="1"/>
-          <p:nvPr/>
-        </p:nvSpPr>
-        <p:spPr>
-          <a:xfrm>
-            <a:off x="7085404" y="1586902"/>
-            <a:ext cx="3677714" cy="400110"/>
-          </a:xfrm>
-          <a:prstGeom prst="rect">
-            <a:avLst/>
-          </a:prstGeom>
-          <a:solidFill>
-            <a:schemeClr val="bg1"/>
-          </a:solidFill>
-        </p:spPr>
-        <p:txBody>
-          <a:bodyPr wrap="square" rtlCol="0">
+        <p:txBody>
+          <a:bodyPr wrap="none" rtlCol="0">
             <a:spAutoFit/>
           </a:bodyPr>
           <a:lstStyle/>
           <a:p>
-            <a:pPr algn="ctr"/>
-            <a:r>
-              <a:rPr lang="ja-JP" altLang="en-US" sz="2000" dirty="0">
-                <a:latin typeface="Meiryo UI" panose="020B0604030504040204" pitchFamily="50" charset="-128"/>
-                <a:ea typeface="Meiryo UI" panose="020B0604030504040204" pitchFamily="50" charset="-128"/>
-              </a:rPr>
-              <a:t>②</a:t>
-            </a:r>
-            <a:r>
-              <a:rPr lang="en-US" altLang="ja-JP" sz="2000" dirty="0">
-                <a:latin typeface="Meiryo UI" panose="020B0604030504040204" pitchFamily="50" charset="-128"/>
-                <a:ea typeface="Meiryo UI" panose="020B0604030504040204" pitchFamily="50" charset="-128"/>
+            <a:r>
+              <a:rPr kumimoji="1" lang="en-US" altLang="ja-JP" sz="1000" dirty="0">
+                <a:solidFill>
+                  <a:schemeClr val="bg1">
+                    <a:lumMod val="50000"/>
+                  </a:schemeClr>
+                </a:solidFill>
               </a:rPr>
               <a:t>Cline</a:t>
             </a:r>
             <a:r>
-              <a:rPr lang="ja-JP" altLang="en-US" sz="2000" dirty="0">
-                <a:latin typeface="Meiryo UI" panose="020B0604030504040204" pitchFamily="50" charset="-128"/>
-                <a:ea typeface="Meiryo UI" panose="020B0604030504040204" pitchFamily="50" charset="-128"/>
+              <a:rPr kumimoji="1" lang="ja-JP" altLang="en-US" sz="1000" dirty="0">
+                <a:solidFill>
+                  <a:schemeClr val="bg1">
+                    <a:lumMod val="50000"/>
+                  </a:schemeClr>
+                </a:solidFill>
               </a:rPr>
-              <a:t>でツール開発の効率化</a:t>
-            </a:r>
-            <a:endParaRPr lang="en-US" altLang="ja-JP" sz="2000" dirty="0">
-              <a:latin typeface="Meiryo UI" panose="020B0604030504040204" pitchFamily="50" charset="-128"/>
-              <a:ea typeface="Meiryo UI" panose="020B0604030504040204" pitchFamily="50" charset="-128"/>
-            </a:endParaRPr>
-          </a:p>
-        </p:txBody>
-      </p:sp>
-      <p:sp>
-        <p:nvSpPr>
-          <p:cNvPr id="95" name="テキスト ボックス 94">
-            <a:extLst>
-              <a:ext uri="{FF2B5EF4-FFF2-40B4-BE49-F238E27FC236}">
-                <a16:creationId xmlns:a16="http://schemas.microsoft.com/office/drawing/2014/main" id="{C229F9F3-B4BE-A2C8-D386-1B588E3CF27B}"/>
-              </a:ext>
-            </a:extLst>
-          </p:cNvPr>
-          <p:cNvSpPr txBox="1"/>
-          <p:nvPr/>
-        </p:nvSpPr>
-        <p:spPr>
-          <a:xfrm>
-            <a:off x="9432591" y="2614753"/>
-            <a:ext cx="1376248" cy="646331"/>
-          </a:xfrm>
-          <a:prstGeom prst="rect">
-            <a:avLst/>
-          </a:prstGeom>
-          <a:noFill/>
-        </p:spPr>
-        <p:txBody>
-          <a:bodyPr wrap="square" rtlCol="0">
-            <a:spAutoFit/>
-          </a:bodyPr>
-          <a:lstStyle/>
-          <a:p>
-            <a:r>
-              <a:rPr lang="ja-JP" altLang="en-US" sz="1200" dirty="0"/>
-              <a:t>前回ハンズオンで説明済み</a:t>
-            </a:r>
-          </a:p>
-          <a:p>
-            <a:endParaRPr kumimoji="1" lang="en-US" altLang="ja-JP" sz="1200" dirty="0"/>
-          </a:p>
-        </p:txBody>
-      </p:sp>
-      <p:sp>
-        <p:nvSpPr>
-          <p:cNvPr id="96" name="テキスト ボックス 95">
-            <a:extLst>
-              <a:ext uri="{FF2B5EF4-FFF2-40B4-BE49-F238E27FC236}">
-                <a16:creationId xmlns:a16="http://schemas.microsoft.com/office/drawing/2014/main" id="{50728DD8-5E16-D05F-0238-3E4FAA720B10}"/>
-              </a:ext>
-            </a:extLst>
-          </p:cNvPr>
-          <p:cNvSpPr txBox="1"/>
-          <p:nvPr/>
-        </p:nvSpPr>
-        <p:spPr>
-          <a:xfrm>
-            <a:off x="1371805" y="176578"/>
-            <a:ext cx="4724194" cy="461665"/>
-          </a:xfrm>
-          <a:prstGeom prst="rect">
-            <a:avLst/>
-          </a:prstGeom>
-          <a:solidFill>
-            <a:schemeClr val="bg1"/>
-          </a:solidFill>
-        </p:spPr>
-        <p:txBody>
-          <a:bodyPr wrap="square" rtlCol="0">
-            <a:spAutoFit/>
-          </a:bodyPr>
-          <a:lstStyle/>
-          <a:p>
-            <a:r>
-              <a:rPr lang="en-US" altLang="ja-JP" sz="2400" dirty="0" err="1">
-                <a:latin typeface="Meiryo UI" panose="020B0604030504040204" pitchFamily="50" charset="-128"/>
-                <a:ea typeface="Meiryo UI" panose="020B0604030504040204" pitchFamily="50" charset="-128"/>
-              </a:rPr>
-              <a:t>Step1</a:t>
-            </a:r>
-            <a:r>
-              <a:rPr lang="en-US" altLang="ja-JP" sz="2400" dirty="0">
-                <a:latin typeface="Meiryo UI" panose="020B0604030504040204" pitchFamily="50" charset="-128"/>
-                <a:ea typeface="Meiryo UI" panose="020B0604030504040204" pitchFamily="50" charset="-128"/>
-              </a:rPr>
-              <a:t> : </a:t>
-            </a:r>
-            <a:r>
-              <a:rPr lang="ja-JP" altLang="en-US" sz="2400" dirty="0">
-                <a:latin typeface="Meiryo UI" panose="020B0604030504040204" pitchFamily="50" charset="-128"/>
-                <a:ea typeface="Meiryo UI" panose="020B0604030504040204" pitchFamily="50" charset="-128"/>
-              </a:rPr>
-              <a:t>個別効率化</a:t>
-            </a:r>
-            <a:endParaRPr lang="en-US" altLang="ja-JP" sz="2400" dirty="0">
-              <a:latin typeface="Meiryo UI" panose="020B0604030504040204" pitchFamily="50" charset="-128"/>
-              <a:ea typeface="Meiryo UI" panose="020B0604030504040204" pitchFamily="50" charset="-128"/>
-            </a:endParaRPr>
+              <a:t>で開発</a:t>
+            </a:r>
           </a:p>
         </p:txBody>
       </p:sp>
@@ -5514,7 +5873,7 @@
                 <a:latin typeface="Meiryo UI" panose="020B0604030504040204" pitchFamily="50" charset="-128"/>
                 <a:ea typeface="Meiryo UI" panose="020B0604030504040204" pitchFamily="50" charset="-128"/>
               </a:rPr>
-              <a:t>との連携</a:t>
+              <a:t>利用</a:t>
             </a:r>
             <a:endParaRPr lang="en-US" altLang="ja-JP" sz="2000" dirty="0">
               <a:latin typeface="Meiryo UI" panose="020B0604030504040204" pitchFamily="50" charset="-128"/>
@@ -5617,7 +5976,7 @@
         <p:spPr>
           <a:xfrm>
             <a:off x="952304" y="2492827"/>
-            <a:ext cx="3754881" cy="3537133"/>
+            <a:ext cx="4040460" cy="3537133"/>
           </a:xfrm>
           <a:prstGeom prst="rect">
             <a:avLst/>
@@ -5771,7 +6130,7 @@
           <a:lstStyle/>
           <a:p>
             <a:r>
-              <a:rPr kumimoji="1" lang="en-US" altLang="ja-JP" sz="1000" dirty="0" err="1">
+              <a:rPr kumimoji="1" lang="en-US" altLang="ja-JP" sz="1000" dirty="0">
                 <a:solidFill>
                   <a:schemeClr val="bg1">
                     <a:lumMod val="50000"/>
@@ -5812,7 +6171,7 @@
         </p:blipFill>
         <p:spPr>
           <a:xfrm>
-            <a:off x="3481481" y="5028791"/>
+            <a:off x="3641776" y="4961203"/>
             <a:ext cx="516473" cy="509647"/>
           </a:xfrm>
           <a:prstGeom prst="rect">
@@ -5979,7 +6338,7 @@
         <p:spPr>
           <a:xfrm>
             <a:off x="4283399" y="4035949"/>
-            <a:ext cx="7352" cy="914750"/>
+            <a:ext cx="167647" cy="847162"/>
           </a:xfrm>
           <a:prstGeom prst="straightConnector1">
             <a:avLst/>
@@ -6026,8 +6385,8 @@
         </p:nvCxnSpPr>
         <p:spPr>
           <a:xfrm flipH="1">
-            <a:off x="3739718" y="4035949"/>
-            <a:ext cx="543681" cy="992842"/>
+            <a:off x="3900013" y="4035949"/>
+            <a:ext cx="383386" cy="925254"/>
           </a:xfrm>
           <a:prstGeom prst="straightConnector1">
             <a:avLst/>
@@ -6198,7 +6557,7 @@
         </p:blipFill>
         <p:spPr>
           <a:xfrm>
-            <a:off x="3955763" y="4950699"/>
+            <a:off x="4116058" y="4883111"/>
             <a:ext cx="669976" cy="669976"/>
           </a:xfrm>
           <a:prstGeom prst="rect">
@@ -6230,7 +6589,12 @@
           <a:prstGeom prst="straightConnector1">
             <a:avLst/>
           </a:prstGeom>
-          <a:ln w="60325">
+          <a:ln w="15875">
+            <a:solidFill>
+              <a:schemeClr val="bg1">
+                <a:lumMod val="65000"/>
+              </a:schemeClr>
+            </a:solidFill>
             <a:tailEnd type="triangle"/>
           </a:ln>
         </p:spPr>
@@ -6971,7 +7335,12 @@
           <a:prstGeom prst="straightConnector1">
             <a:avLst/>
           </a:prstGeom>
-          <a:ln w="60325">
+          <a:ln w="15875">
+            <a:solidFill>
+              <a:schemeClr val="bg1">
+                <a:lumMod val="65000"/>
+              </a:schemeClr>
+            </a:solidFill>
             <a:tailEnd type="triangle"/>
           </a:ln>
         </p:spPr>
@@ -7050,7 +7419,12 @@
           <a:prstGeom prst="straightConnector1">
             <a:avLst/>
           </a:prstGeom>
-          <a:ln w="60325">
+          <a:ln w="15875">
+            <a:solidFill>
+              <a:schemeClr val="bg1">
+                <a:lumMod val="65000"/>
+              </a:schemeClr>
+            </a:solidFill>
             <a:tailEnd type="triangle"/>
           </a:ln>
         </p:spPr>
@@ -7083,8 +7457,8 @@
         </p:nvSpPr>
         <p:spPr>
           <a:xfrm>
-            <a:off x="4879587" y="2460340"/>
-            <a:ext cx="1575186" cy="3569620"/>
+            <a:off x="5130119" y="2460340"/>
+            <a:ext cx="1324654" cy="3569620"/>
           </a:xfrm>
           <a:prstGeom prst="rect">
             <a:avLst/>
@@ -7137,7 +7511,7 @@
         </p:nvSpPr>
         <p:spPr>
           <a:xfrm>
-            <a:off x="5246766" y="2326539"/>
+            <a:off x="5430808" y="2339427"/>
             <a:ext cx="723275" cy="276999"/>
           </a:xfrm>
           <a:prstGeom prst="rect">
@@ -7182,7 +7556,7 @@
         </p:blipFill>
         <p:spPr>
           <a:xfrm>
-            <a:off x="5392988" y="2526944"/>
+            <a:off x="5649064" y="2537107"/>
             <a:ext cx="349385" cy="337396"/>
           </a:xfrm>
           <a:prstGeom prst="rect">
@@ -7408,7 +7782,7 @@
         </p:nvSpPr>
         <p:spPr>
           <a:xfrm>
-            <a:off x="4265925" y="3935988"/>
+            <a:off x="4290082" y="3903822"/>
             <a:ext cx="596638" cy="246221"/>
           </a:xfrm>
           <a:prstGeom prst="rect">
@@ -7456,7 +7830,7 @@
         </p:nvSpPr>
         <p:spPr>
           <a:xfrm>
-            <a:off x="2940307" y="5458087"/>
+            <a:off x="3231190" y="5403861"/>
             <a:ext cx="1082348" cy="246221"/>
           </a:xfrm>
           <a:prstGeom prst="rect">
@@ -7690,7 +8064,7 @@
                 <a:latin typeface="Meiryo UI" panose="020B0604030504040204" pitchFamily="50" charset="-128"/>
                 <a:ea typeface="Meiryo UI" panose="020B0604030504040204" pitchFamily="50" charset="-128"/>
               </a:rPr>
-              <a:t>連携</a:t>
+              <a:t>利用</a:t>
             </a:r>
             <a:endParaRPr kumimoji="1" lang="ja-JP" altLang="en-US" sz="2000" dirty="0">
               <a:solidFill>
@@ -7829,6 +8203,108 @@
               <a:latin typeface="Meiryo UI" panose="020B0604030504040204" pitchFamily="50" charset="-128"/>
               <a:ea typeface="Meiryo UI" panose="020B0604030504040204" pitchFamily="50" charset="-128"/>
             </a:endParaRPr>
+          </a:p>
+        </p:txBody>
+      </p:sp>
+      <p:sp>
+        <p:nvSpPr>
+          <p:cNvPr id="19" name="テキスト ボックス 18">
+            <a:extLst>
+              <a:ext uri="{FF2B5EF4-FFF2-40B4-BE49-F238E27FC236}">
+                <a16:creationId xmlns:a16="http://schemas.microsoft.com/office/drawing/2014/main" id="{62EAE88F-257A-6777-9113-C947488EFB72}"/>
+              </a:ext>
+            </a:extLst>
+          </p:cNvPr>
+          <p:cNvSpPr txBox="1"/>
+          <p:nvPr/>
+        </p:nvSpPr>
+        <p:spPr>
+          <a:xfrm>
+            <a:off x="2344827" y="2786216"/>
+            <a:ext cx="934871" cy="246221"/>
+          </a:xfrm>
+          <a:prstGeom prst="rect">
+            <a:avLst/>
+          </a:prstGeom>
+          <a:noFill/>
+        </p:spPr>
+        <p:txBody>
+          <a:bodyPr wrap="none" rtlCol="0">
+            <a:spAutoFit/>
+          </a:bodyPr>
+          <a:lstStyle/>
+          <a:p>
+            <a:r>
+              <a:rPr kumimoji="1" lang="en-US" altLang="ja-JP" sz="1000" dirty="0">
+                <a:solidFill>
+                  <a:schemeClr val="bg1">
+                    <a:lumMod val="50000"/>
+                  </a:schemeClr>
+                </a:solidFill>
+              </a:rPr>
+              <a:t>Figma</a:t>
+            </a:r>
+            <a:r>
+              <a:rPr kumimoji="1" lang="ja-JP" altLang="en-US" sz="1000" dirty="0">
+                <a:solidFill>
+                  <a:schemeClr val="bg1">
+                    <a:lumMod val="50000"/>
+                  </a:schemeClr>
+                </a:solidFill>
+              </a:rPr>
+              <a:t>で開発</a:t>
+            </a:r>
+          </a:p>
+        </p:txBody>
+      </p:sp>
+      <p:sp>
+        <p:nvSpPr>
+          <p:cNvPr id="21" name="テキスト ボックス 20">
+            <a:extLst>
+              <a:ext uri="{FF2B5EF4-FFF2-40B4-BE49-F238E27FC236}">
+                <a16:creationId xmlns:a16="http://schemas.microsoft.com/office/drawing/2014/main" id="{17440C71-9734-0C19-0A9E-60406F5F3F7F}"/>
+              </a:ext>
+            </a:extLst>
+          </p:cNvPr>
+          <p:cNvSpPr txBox="1"/>
+          <p:nvPr/>
+        </p:nvSpPr>
+        <p:spPr>
+          <a:xfrm>
+            <a:off x="3665254" y="2806792"/>
+            <a:ext cx="870751" cy="246221"/>
+          </a:xfrm>
+          <a:prstGeom prst="rect">
+            <a:avLst/>
+          </a:prstGeom>
+          <a:noFill/>
+        </p:spPr>
+        <p:txBody>
+          <a:bodyPr wrap="none" rtlCol="0">
+            <a:spAutoFit/>
+          </a:bodyPr>
+          <a:lstStyle/>
+          <a:p>
+            <a:r>
+              <a:rPr kumimoji="1" lang="en-US" altLang="ja-JP" sz="1000" dirty="0">
+                <a:solidFill>
+                  <a:schemeClr val="bg1">
+                    <a:lumMod val="50000"/>
+                  </a:schemeClr>
+                </a:solidFill>
+              </a:rPr>
+              <a:t>Cline</a:t>
+            </a:r>
+            <a:r>
+              <a:rPr kumimoji="1" lang="ja-JP" altLang="en-US" sz="1000" dirty="0">
+                <a:solidFill>
+                  <a:schemeClr val="bg1">
+                    <a:lumMod val="50000"/>
+                  </a:schemeClr>
+                </a:solidFill>
+              </a:rPr>
+              <a:t>で開発</a:t>
+            </a:r>
           </a:p>
         </p:txBody>
       </p:sp>
